--- a/Tema 8 - Subrutinas/Lesson8 - Subroutines.pptx
+++ b/Tema 8 - Subrutinas/Lesson8 - Subroutines.pptx
@@ -929,29 +929,10 @@
         <a:lstStyle/>
         <a:p>
           <a:r>
-            <a:rPr lang="el-GR" dirty="0" err="1"/>
-            <a:t>What</a:t>
+            <a:rPr lang="es-ES" dirty="0"/>
+            <a:t>Qué es una subrutina (Sub)</a:t>
           </a:r>
-          <a:r>
-            <a:rPr lang="el-GR" dirty="0"/>
-            <a:t> </a:t>
-          </a:r>
-          <a:r>
-            <a:rPr lang="el-GR" dirty="0" err="1"/>
-            <a:t>is</a:t>
-          </a:r>
-          <a:r>
-            <a:rPr lang="el-GR" dirty="0"/>
-            <a:t> a </a:t>
-          </a:r>
-          <a:r>
-            <a:rPr lang="el-GR" dirty="0" err="1"/>
-            <a:t>subroutine</a:t>
-          </a:r>
-          <a:r>
-            <a:rPr lang="el-GR" dirty="0"/>
-            <a:t>.</a:t>
-          </a:r>
+          <a:endParaRPr lang="el-GR" dirty="0"/>
         </a:p>
       </dgm:t>
     </dgm:pt>
@@ -989,9 +970,10 @@
             <a:buChar char=""/>
           </a:pPr>
           <a:r>
-            <a:rPr lang="el-GR"/>
-            <a:t>Declaring a Sub</a:t>
+            <a:rPr lang="es-ES" dirty="0"/>
+            <a:t>Declaración de una Subrutina</a:t>
           </a:r>
+          <a:endParaRPr lang="el-GR" dirty="0"/>
         </a:p>
       </dgm:t>
     </dgm:pt>
@@ -1029,9 +1011,10 @@
             <a:buChar char=""/>
           </a:pPr>
           <a:r>
-            <a:rPr lang="el-GR"/>
-            <a:t>Passing Values</a:t>
+            <a:rPr lang="es-ES" dirty="0"/>
+            <a:t>Paso de Valores</a:t>
           </a:r>
+          <a:endParaRPr lang="el-GR" dirty="0"/>
         </a:p>
       </dgm:t>
     </dgm:pt>
@@ -1069,9 +1052,10 @@
             <a:buChar char=""/>
           </a:pPr>
           <a:r>
-            <a:rPr lang="el-GR"/>
-            <a:t>Returning Values from a sub</a:t>
+            <a:rPr lang="es-ES"/>
+            <a:t>Devolución de Valores de una Subrutina</a:t>
           </a:r>
+          <a:endParaRPr lang="el-GR" dirty="0"/>
         </a:p>
       </dgm:t>
     </dgm:pt>
@@ -1255,29 +1239,10 @@
             <a:buNone/>
           </a:pPr>
           <a:r>
-            <a:rPr lang="el-GR" sz="4200" kern="1200" dirty="0" err="1"/>
-            <a:t>What</a:t>
+            <a:rPr lang="es-ES" sz="4200" kern="1200" dirty="0"/>
+            <a:t>Qué es una subrutina (Sub)</a:t>
           </a:r>
-          <a:r>
-            <a:rPr lang="el-GR" sz="4200" kern="1200" dirty="0"/>
-            <a:t> </a:t>
-          </a:r>
-          <a:r>
-            <a:rPr lang="el-GR" sz="4200" kern="1200" dirty="0" err="1"/>
-            <a:t>is</a:t>
-          </a:r>
-          <a:r>
-            <a:rPr lang="el-GR" sz="4200" kern="1200" dirty="0"/>
-            <a:t> a </a:t>
-          </a:r>
-          <a:r>
-            <a:rPr lang="el-GR" sz="4200" kern="1200" dirty="0" err="1"/>
-            <a:t>subroutine</a:t>
-          </a:r>
-          <a:r>
-            <a:rPr lang="el-GR" sz="4200" kern="1200" dirty="0"/>
-            <a:t>.</a:t>
-          </a:r>
+          <a:endParaRPr lang="el-GR" sz="4200" kern="1200" dirty="0"/>
         </a:p>
       </dsp:txBody>
       <dsp:txXfrm>
@@ -1354,9 +1319,10 @@
             <a:buNone/>
           </a:pPr>
           <a:r>
-            <a:rPr lang="el-GR" sz="4200" kern="1200"/>
-            <a:t>Declaring a Sub</a:t>
+            <a:rPr lang="es-ES" sz="4200" kern="1200" dirty="0"/>
+            <a:t>Declaración de una Subrutina</a:t>
           </a:r>
+          <a:endParaRPr lang="el-GR" sz="4200" kern="1200" dirty="0"/>
         </a:p>
       </dsp:txBody>
       <dsp:txXfrm>
@@ -1433,9 +1399,10 @@
             <a:buNone/>
           </a:pPr>
           <a:r>
-            <a:rPr lang="el-GR" sz="4200" kern="1200"/>
-            <a:t>Passing Values</a:t>
+            <a:rPr lang="es-ES" sz="4200" kern="1200" dirty="0"/>
+            <a:t>Paso de Valores</a:t>
           </a:r>
+          <a:endParaRPr lang="el-GR" sz="4200" kern="1200" dirty="0"/>
         </a:p>
       </dsp:txBody>
       <dsp:txXfrm>
@@ -1512,9 +1479,10 @@
             <a:buNone/>
           </a:pPr>
           <a:r>
-            <a:rPr lang="el-GR" sz="4200" kern="1200"/>
-            <a:t>Returning Values from a sub</a:t>
+            <a:rPr lang="es-ES" sz="4200" kern="1200"/>
+            <a:t>Devolución de Valores de una Subrutina</a:t>
           </a:r>
+          <a:endParaRPr lang="el-GR" sz="4200" kern="1200" dirty="0"/>
         </a:p>
       </dsp:txBody>
       <dsp:txXfrm>
@@ -2789,7 +2757,7 @@
           <a:p>
             <a:fld id="{1DD4402E-2714-4F60-8F6B-D0DE2235143B}" type="datetimeFigureOut">
               <a:rPr lang="el-GR" smtClean="0"/>
-              <a:t>1/3/2021</a:t>
+              <a:t>23/3/2021</a:t>
             </a:fld>
             <a:endParaRPr lang="el-GR"/>
           </a:p>
@@ -2947,7 +2915,7 @@
           <a:p>
             <a:fld id="{CC55FB4C-B738-4A33-B990-641E6E4721E1}" type="slidenum">
               <a:rPr lang="el-GR" smtClean="0"/>
-              <a:t>‹#›</a:t>
+              <a:t>‹Nº›</a:t>
             </a:fld>
             <a:endParaRPr lang="el-GR"/>
           </a:p>
@@ -3100,33 +3068,98 @@
           <a:bodyPr/>
           <a:lstStyle/>
           <a:p>
-            <a:r>
-              <a:rPr lang="en-US" dirty="0"/>
-              <a:t>In computer programming, a subroutine is a sequence of program instructions that performs a specific task, packaged as a unit. This unit can then be used in programs wherever that task should be performed.</a:t>
-            </a:r>
-          </a:p>
-          <a:p>
-            <a:r>
-              <a:rPr lang="en-US" dirty="0"/>
-              <a:t>Subroutines may be defined within programs, or separately in libraries that can be used by many programs. In different programming languages, a subroutine may be called a routine, subprogram, function, method, or procedure. In general, to create a subprogram, the developer should keep the following in mind:</a:t>
-            </a:r>
-          </a:p>
-          <a:p>
-            <a:r>
-              <a:rPr lang="en-US" dirty="0"/>
-              <a:t>•	The subprogram should only do one task.</a:t>
-            </a:r>
-          </a:p>
-          <a:p>
-            <a:r>
-              <a:rPr lang="en-US" dirty="0"/>
-              <a:t>•	Be relatively small and ideally no larger than a screen so that it can be read easily.</a:t>
-            </a:r>
-          </a:p>
-          <a:p>
-            <a:r>
-              <a:rPr lang="en-US" dirty="0"/>
-              <a:t>•	Have such a name that refers to its function. </a:t>
+            <a:pPr algn="just">
+              <a:lnSpc>
+                <a:spcPct val="107000"/>
+              </a:lnSpc>
+              <a:spcAft>
+                <a:spcPts val="800"/>
+              </a:spcAft>
+            </a:pPr>
+            <a:r>
+              <a:rPr lang="es-ES" sz="1800" dirty="0">
+                <a:effectLst/>
+                <a:latin typeface="Verdana" panose="020B0604030504040204" pitchFamily="34" charset="0"/>
+                <a:ea typeface="Calibri" panose="020F0502020204030204" pitchFamily="34" charset="0"/>
+                <a:cs typeface="Times New Roman" panose="02020603050405020304" pitchFamily="18" charset="0"/>
+              </a:rPr>
+              <a:t>En programación, una subrutina es una secuencia de instrucciones que realizar una tarea concreta y que forman una unidad. Esta unidad puede usarse después en los programas dondequiera que esa tarea sea realizada.</a:t>
+            </a:r>
+          </a:p>
+          <a:p>
+            <a:pPr algn="just">
+              <a:lnSpc>
+                <a:spcPct val="107000"/>
+              </a:lnSpc>
+              <a:spcAft>
+                <a:spcPts val="800"/>
+              </a:spcAft>
+            </a:pPr>
+            <a:r>
+              <a:rPr lang="es-ES" sz="1800" dirty="0">
+                <a:effectLst/>
+                <a:latin typeface="Verdana" panose="020B0604030504040204" pitchFamily="34" charset="0"/>
+                <a:ea typeface="Calibri" panose="020F0502020204030204" pitchFamily="34" charset="0"/>
+                <a:cs typeface="Times New Roman" panose="02020603050405020304" pitchFamily="18" charset="0"/>
+              </a:rPr>
+              <a:t>Las subrutinas pueden definirse dentro de nuestro programa o dentro de bibliotecas que agrupan múltiples subrutinas para que puedan ser usadas por otros programas. Según el lenguaje de programación, a las subrutinas se les puede llamar funciones, subprogramas, métodos o procedimiento. Para crear una subrutina el programador debe tener en cuenta esto:</a:t>
+            </a:r>
+          </a:p>
+          <a:p>
+            <a:pPr marL="342900" lvl="0" indent="-342900" algn="just">
+              <a:lnSpc>
+                <a:spcPct val="107000"/>
+              </a:lnSpc>
+              <a:buFont typeface="Verdana" panose="020B0604030504040204" pitchFamily="34" charset="0"/>
+              <a:buChar char="-"/>
+            </a:pPr>
+            <a:r>
+              <a:rPr lang="es-ES" sz="1800" dirty="0">
+                <a:effectLst/>
+                <a:latin typeface="Verdana" panose="020B0604030504040204" pitchFamily="34" charset="0"/>
+                <a:ea typeface="Calibri" panose="020F0502020204030204" pitchFamily="34" charset="0"/>
+                <a:cs typeface="Times New Roman" panose="02020603050405020304" pitchFamily="18" charset="0"/>
+              </a:rPr>
+              <a:t>Debe realiza una única tarea.</a:t>
+            </a:r>
+          </a:p>
+          <a:p>
+            <a:pPr marL="342900" lvl="0" indent="-342900" algn="just">
+              <a:lnSpc>
+                <a:spcPct val="107000"/>
+              </a:lnSpc>
+              <a:buFont typeface="Verdana" panose="020B0604030504040204" pitchFamily="34" charset="0"/>
+              <a:buChar char="-"/>
+            </a:pPr>
+            <a:r>
+              <a:rPr lang="es-ES" sz="1800" dirty="0">
+                <a:effectLst/>
+                <a:latin typeface="Verdana" panose="020B0604030504040204" pitchFamily="34" charset="0"/>
+                <a:ea typeface="Calibri" panose="020F0502020204030204" pitchFamily="34" charset="0"/>
+                <a:cs typeface="Times New Roman" panose="02020603050405020304" pitchFamily="18" charset="0"/>
+              </a:rPr>
+              <a:t>Debe ser relativamente pequeña e, idealmente, no mayor que lo que cabría en una pantalla para que pueda leerse fácilmente.</a:t>
+            </a:r>
+          </a:p>
+          <a:p>
+            <a:pPr marL="342900" lvl="0" indent="-342900" algn="just">
+              <a:lnSpc>
+                <a:spcPct val="107000"/>
+              </a:lnSpc>
+              <a:spcAft>
+                <a:spcPts val="800"/>
+              </a:spcAft>
+              <a:buFont typeface="Verdana" panose="020B0604030504040204" pitchFamily="34" charset="0"/>
+              <a:buChar char="-"/>
+            </a:pPr>
+            <a:r>
+              <a:rPr lang="es-ES" sz="1800" dirty="0">
+                <a:effectLst/>
+                <a:latin typeface="Verdana" panose="020B0604030504040204" pitchFamily="34" charset="0"/>
+                <a:ea typeface="Calibri" panose="020F0502020204030204" pitchFamily="34" charset="0"/>
+                <a:cs typeface="Times New Roman" panose="02020603050405020304" pitchFamily="18" charset="0"/>
+              </a:rPr>
+              <a:t>Debe tener un nombre que haga referencia a lo que hace.</a:t>
             </a:r>
           </a:p>
           <a:p>
@@ -3215,8 +3248,49 @@
           <a:lstStyle/>
           <a:p>
             <a:r>
-              <a:rPr lang="en-US" dirty="0"/>
-              <a:t>You have Button1_Click  already encountered subprogram in B4J   that the language has prepared. Notice that events like Button1_Click are also a routine to serve the event.</a:t>
+              <a:rPr lang="es-ES" sz="1800" dirty="0">
+                <a:effectLst/>
+                <a:latin typeface="Verdana" panose="020B0604030504040204" pitchFamily="34" charset="0"/>
+                <a:ea typeface="Calibri" panose="020F0502020204030204" pitchFamily="34" charset="0"/>
+                <a:cs typeface="Times New Roman" panose="02020603050405020304" pitchFamily="18" charset="0"/>
+              </a:rPr>
+              <a:t>Ya hemos visto la subrutina </a:t>
+            </a:r>
+            <a:r>
+              <a:rPr lang="es-ES" sz="1800" b="1" dirty="0">
+                <a:effectLst/>
+                <a:latin typeface="Verdana" panose="020B0604030504040204" pitchFamily="34" charset="0"/>
+                <a:ea typeface="Calibri" panose="020F0502020204030204" pitchFamily="34" charset="0"/>
+                <a:cs typeface="Times New Roman" panose="02020603050405020304" pitchFamily="18" charset="0"/>
+              </a:rPr>
+              <a:t>Button1_Click</a:t>
+            </a:r>
+            <a:r>
+              <a:rPr lang="es-ES" sz="1800" dirty="0">
+                <a:effectLst/>
+                <a:latin typeface="Verdana" panose="020B0604030504040204" pitchFamily="34" charset="0"/>
+                <a:ea typeface="Calibri" panose="020F0502020204030204" pitchFamily="34" charset="0"/>
+                <a:cs typeface="Times New Roman" panose="02020603050405020304" pitchFamily="18" charset="0"/>
+              </a:rPr>
+              <a:t> en B4J cuando se crea un nuevo programa. Fíjate que los eventos de “</a:t>
+            </a:r>
+            <a:r>
+              <a:rPr lang="es-ES" sz="1800" dirty="0" err="1">
+                <a:effectLst/>
+                <a:latin typeface="Verdana" panose="020B0604030504040204" pitchFamily="34" charset="0"/>
+                <a:ea typeface="Calibri" panose="020F0502020204030204" pitchFamily="34" charset="0"/>
+                <a:cs typeface="Times New Roman" panose="02020603050405020304" pitchFamily="18" charset="0"/>
+              </a:rPr>
+              <a:t>Click</a:t>
+            </a:r>
+            <a:r>
+              <a:rPr lang="es-ES" sz="1800" dirty="0">
+                <a:effectLst/>
+                <a:latin typeface="Verdana" panose="020B0604030504040204" pitchFamily="34" charset="0"/>
+                <a:ea typeface="Calibri" panose="020F0502020204030204" pitchFamily="34" charset="0"/>
+                <a:cs typeface="Times New Roman" panose="02020603050405020304" pitchFamily="18" charset="0"/>
+              </a:rPr>
+              <a:t>” se gestionan mediante subrutinas</a:t>
             </a:r>
             <a:endParaRPr lang="el-GR" dirty="0"/>
           </a:p>
@@ -3302,40 +3376,104 @@
           <a:bodyPr/>
           <a:lstStyle/>
           <a:p>
-            <a:r>
-              <a:rPr lang="en-US" dirty="0"/>
-              <a:t>Suppose a function needs to be performed, such as adding two numbers given by the user. As a program it is very simple and generally does not need a subprogram for such a function. Here we will use a subprogram to understand how it is used and operated. </a:t>
-            </a:r>
-          </a:p>
-          <a:p>
-            <a:r>
-              <a:rPr lang="en-US" dirty="0"/>
-              <a:t>The two integers </a:t>
-            </a:r>
-            <a:r>
-              <a:rPr lang="en-US" dirty="0" err="1"/>
+            <a:pPr algn="just">
+              <a:lnSpc>
+                <a:spcPct val="107000"/>
+              </a:lnSpc>
+              <a:spcAft>
+                <a:spcPts val="800"/>
+              </a:spcAft>
+            </a:pPr>
+            <a:r>
+              <a:rPr lang="es-ES" sz="1800" dirty="0">
+                <a:effectLst/>
+                <a:latin typeface="Verdana" panose="020B0604030504040204" pitchFamily="34" charset="0"/>
+                <a:ea typeface="Calibri" panose="020F0502020204030204" pitchFamily="34" charset="0"/>
+                <a:cs typeface="Times New Roman" panose="02020603050405020304" pitchFamily="18" charset="0"/>
+              </a:rPr>
+              <a:t>Imagínate una función que deba sumar dos números introducidos por el usuario. Se trata de un ejemplo muy sencillo, pero lo usaremos para entender el concepto de subrutina y ver cómo funciona.</a:t>
+            </a:r>
+          </a:p>
+          <a:p>
+            <a:pPr algn="just">
+              <a:lnSpc>
+                <a:spcPct val="107000"/>
+              </a:lnSpc>
+              <a:spcAft>
+                <a:spcPts val="800"/>
+              </a:spcAft>
+            </a:pPr>
+            <a:endParaRPr lang="es-ES" sz="1800" dirty="0">
+              <a:effectLst/>
+              <a:latin typeface="Verdana" panose="020B0604030504040204" pitchFamily="34" charset="0"/>
+              <a:ea typeface="Calibri" panose="020F0502020204030204" pitchFamily="34" charset="0"/>
+              <a:cs typeface="Times New Roman" panose="02020603050405020304" pitchFamily="18" charset="0"/>
+            </a:endParaRPr>
+          </a:p>
+          <a:p>
+            <a:r>
+              <a:rPr lang="es-ES" sz="1800" dirty="0">
+                <a:effectLst/>
+                <a:latin typeface="Verdana" panose="020B0604030504040204" pitchFamily="34" charset="0"/>
+                <a:ea typeface="Calibri" panose="020F0502020204030204" pitchFamily="34" charset="0"/>
+                <a:cs typeface="Times New Roman" panose="02020603050405020304" pitchFamily="18" charset="0"/>
+              </a:rPr>
+              <a:t>Los dos enteros </a:t>
+            </a:r>
+            <a:r>
+              <a:rPr lang="es-ES" sz="1800" dirty="0" err="1">
+                <a:effectLst/>
+                <a:latin typeface="Verdana" panose="020B0604030504040204" pitchFamily="34" charset="0"/>
+                <a:ea typeface="Calibri" panose="020F0502020204030204" pitchFamily="34" charset="0"/>
+                <a:cs typeface="Times New Roman" panose="02020603050405020304" pitchFamily="18" charset="0"/>
+              </a:rPr>
               <a:t>intA</a:t>
             </a:r>
             <a:r>
-              <a:rPr lang="en-US" dirty="0"/>
-              <a:t>  and     </a:t>
-            </a:r>
-            <a:r>
-              <a:rPr lang="en-US" dirty="0" err="1"/>
+              <a:rPr lang="es-ES" sz="1800" dirty="0">
+                <a:effectLst/>
+                <a:latin typeface="Verdana" panose="020B0604030504040204" pitchFamily="34" charset="0"/>
+                <a:ea typeface="Calibri" panose="020F0502020204030204" pitchFamily="34" charset="0"/>
+                <a:cs typeface="Times New Roman" panose="02020603050405020304" pitchFamily="18" charset="0"/>
+              </a:rPr>
+              <a:t> e </a:t>
+            </a:r>
+            <a:r>
+              <a:rPr lang="es-ES" sz="1800" dirty="0" err="1">
+                <a:effectLst/>
+                <a:latin typeface="Verdana" panose="020B0604030504040204" pitchFamily="34" charset="0"/>
+                <a:ea typeface="Calibri" panose="020F0502020204030204" pitchFamily="34" charset="0"/>
+                <a:cs typeface="Times New Roman" panose="02020603050405020304" pitchFamily="18" charset="0"/>
+              </a:rPr>
               <a:t>intB</a:t>
             </a:r>
             <a:r>
-              <a:rPr lang="en-US" dirty="0"/>
-              <a:t> have been declared in the program, values have been assigned, and then the showSum1 routine is called.</a:t>
-            </a:r>
-          </a:p>
-          <a:p>
-            <a:r>
-              <a:rPr lang="en-US" dirty="0"/>
-              <a:t>This is done by writing the name of the routine (which the developer decides) and then in parentheses the variables whose values it must know to function. </a:t>
-            </a:r>
-          </a:p>
-          <a:p>
+              <a:rPr lang="es-ES" sz="1800" dirty="0">
+                <a:effectLst/>
+                <a:latin typeface="Verdana" panose="020B0604030504040204" pitchFamily="34" charset="0"/>
+                <a:ea typeface="Calibri" panose="020F0502020204030204" pitchFamily="34" charset="0"/>
+                <a:cs typeface="Times New Roman" panose="02020603050405020304" pitchFamily="18" charset="0"/>
+              </a:rPr>
+              <a:t> se declaran en el programa, se les asigna un valor y después invocamos la subrutina MostrarSuma1</a:t>
+            </a:r>
+          </a:p>
+          <a:p>
+            <a:endParaRPr lang="es-ES" sz="1800" dirty="0">
+              <a:effectLst/>
+              <a:latin typeface="Verdana" panose="020B0604030504040204" pitchFamily="34" charset="0"/>
+              <a:cs typeface="Times New Roman" panose="02020603050405020304" pitchFamily="18" charset="0"/>
+            </a:endParaRPr>
+          </a:p>
+          <a:p>
+            <a:r>
+              <a:rPr lang="es-ES" sz="1800" dirty="0">
+                <a:effectLst/>
+                <a:latin typeface="Verdana" panose="020B0604030504040204" pitchFamily="34" charset="0"/>
+                <a:ea typeface="Calibri" panose="020F0502020204030204" pitchFamily="34" charset="0"/>
+                <a:cs typeface="Times New Roman" panose="02020603050405020304" pitchFamily="18" charset="0"/>
+              </a:rPr>
+              <a:t>Invocar a una subrutina se hace escribiendo su nombre (el que queramos) y entre paréntesis ponemos las variables cuyos valores debe conocer para funcionar.</a:t>
+            </a:r>
             <a:endParaRPr lang="el-GR" dirty="0"/>
           </a:p>
         </p:txBody>
@@ -3420,6 +3558,91 @@
           <a:bodyPr/>
           <a:lstStyle/>
           <a:p>
+            <a:pPr algn="just">
+              <a:lnSpc>
+                <a:spcPct val="107000"/>
+              </a:lnSpc>
+              <a:spcAft>
+                <a:spcPts val="800"/>
+              </a:spcAft>
+            </a:pPr>
+            <a:r>
+              <a:rPr lang="es-ES" sz="1800" dirty="0">
+                <a:effectLst/>
+                <a:latin typeface="Verdana" panose="020B0604030504040204" pitchFamily="34" charset="0"/>
+                <a:ea typeface="Calibri" panose="020F0502020204030204" pitchFamily="34" charset="0"/>
+                <a:cs typeface="Times New Roman" panose="02020603050405020304" pitchFamily="18" charset="0"/>
+              </a:rPr>
+              <a:t>Si delante ponemos la palabra reservada </a:t>
+            </a:r>
+            <a:r>
+              <a:rPr lang="es-ES" sz="1800" b="1" dirty="0" err="1">
+                <a:effectLst/>
+                <a:latin typeface="Verdana" panose="020B0604030504040204" pitchFamily="34" charset="0"/>
+                <a:ea typeface="Calibri" panose="020F0502020204030204" pitchFamily="34" charset="0"/>
+                <a:cs typeface="Times New Roman" panose="02020603050405020304" pitchFamily="18" charset="0"/>
+              </a:rPr>
+              <a:t>Private</a:t>
+            </a:r>
+            <a:r>
+              <a:rPr lang="es-ES" sz="1800" dirty="0">
+                <a:effectLst/>
+                <a:latin typeface="Verdana" panose="020B0604030504040204" pitchFamily="34" charset="0"/>
+                <a:ea typeface="Calibri" panose="020F0502020204030204" pitchFamily="34" charset="0"/>
+                <a:cs typeface="Times New Roman" panose="02020603050405020304" pitchFamily="18" charset="0"/>
+              </a:rPr>
+              <a:t>, significará que esta subrutina sólo se conocerá dentro del código B4XmainPage; si ponemos </a:t>
+            </a:r>
+            <a:r>
+              <a:rPr lang="es-ES" sz="1800" b="1" dirty="0" err="1">
+                <a:effectLst/>
+                <a:latin typeface="Verdana" panose="020B0604030504040204" pitchFamily="34" charset="0"/>
+                <a:ea typeface="Calibri" panose="020F0502020204030204" pitchFamily="34" charset="0"/>
+                <a:cs typeface="Times New Roman" panose="02020603050405020304" pitchFamily="18" charset="0"/>
+              </a:rPr>
+              <a:t>Public</a:t>
+            </a:r>
+            <a:r>
+              <a:rPr lang="es-ES" sz="1800" dirty="0">
+                <a:effectLst/>
+                <a:latin typeface="Verdana" panose="020B0604030504040204" pitchFamily="34" charset="0"/>
+                <a:ea typeface="Calibri" panose="020F0502020204030204" pitchFamily="34" charset="0"/>
+                <a:cs typeface="Times New Roman" panose="02020603050405020304" pitchFamily="18" charset="0"/>
+              </a:rPr>
+              <a:t>, la subrutina se podrá usar en otras partes de nuestra aplicación.</a:t>
+            </a:r>
+          </a:p>
+          <a:p>
+            <a:pPr algn="just">
+              <a:lnSpc>
+                <a:spcPct val="107000"/>
+              </a:lnSpc>
+              <a:spcAft>
+                <a:spcPts val="800"/>
+              </a:spcAft>
+            </a:pPr>
+            <a:endParaRPr lang="es-ES" sz="1800" dirty="0">
+              <a:effectLst/>
+              <a:latin typeface="Verdana" panose="020B0604030504040204" pitchFamily="34" charset="0"/>
+              <a:ea typeface="Calibri" panose="020F0502020204030204" pitchFamily="34" charset="0"/>
+              <a:cs typeface="Times New Roman" panose="02020603050405020304" pitchFamily="18" charset="0"/>
+            </a:endParaRPr>
+          </a:p>
+          <a:p>
+            <a:r>
+              <a:rPr lang="es-ES" sz="1800" dirty="0">
+                <a:effectLst/>
+                <a:latin typeface="Verdana" panose="020B0604030504040204" pitchFamily="34" charset="0"/>
+                <a:ea typeface="Calibri" panose="020F0502020204030204" pitchFamily="34" charset="0"/>
+                <a:cs typeface="Times New Roman" panose="02020603050405020304" pitchFamily="18" charset="0"/>
+              </a:rPr>
+              <a:t>La palabra “Sub” es una abreviatura de subrutina. Entre paréntesis escribimos el nombre de las variables cuyos valores se enviarán a la función</a:t>
+            </a:r>
+          </a:p>
+          <a:p>
+            <a:endParaRPr lang="en-US" sz="1200" dirty="0"/>
+          </a:p>
+          <a:p>
             <a:pPr marL="0" marR="0" lvl="0" indent="0" algn="l" defTabSz="914400" rtl="0" eaLnBrk="1" fontAlgn="auto" latinLnBrk="0" hangingPunct="1">
               <a:lnSpc>
                 <a:spcPct val="100000"/>
@@ -3438,9 +3661,53 @@
               <a:defRPr/>
             </a:pPr>
             <a:r>
-              <a:rPr lang="en-US" sz="1200" dirty="0"/>
-              <a:t>It always starts with the Private statement which means that it is a subprogram that will be known only in the code (B4XmainPage) or Public for the subprogram to be known in other parts of our application.</a:t>
-            </a:r>
+              <a:rPr lang="es-ES" sz="1800" dirty="0">
+                <a:effectLst/>
+                <a:latin typeface="Verdana" panose="020B0604030504040204" pitchFamily="34" charset="0"/>
+                <a:ea typeface="Calibri" panose="020F0502020204030204" pitchFamily="34" charset="0"/>
+                <a:cs typeface="Times New Roman" panose="02020603050405020304" pitchFamily="18" charset="0"/>
+              </a:rPr>
+              <a:t>Fíjate en que los datos se envían a la función en el orden en que están escritos al invocar a la subrutina. Por ej. el valor de “</a:t>
+            </a:r>
+            <a:r>
+              <a:rPr lang="es-ES" sz="1800" dirty="0" err="1">
+                <a:effectLst/>
+                <a:latin typeface="Verdana" panose="020B0604030504040204" pitchFamily="34" charset="0"/>
+                <a:ea typeface="Calibri" panose="020F0502020204030204" pitchFamily="34" charset="0"/>
+                <a:cs typeface="Times New Roman" panose="02020603050405020304" pitchFamily="18" charset="0"/>
+              </a:rPr>
+              <a:t>intA</a:t>
+            </a:r>
+            <a:r>
+              <a:rPr lang="es-ES" sz="1800" dirty="0">
+                <a:effectLst/>
+                <a:latin typeface="Verdana" panose="020B0604030504040204" pitchFamily="34" charset="0"/>
+                <a:ea typeface="Calibri" panose="020F0502020204030204" pitchFamily="34" charset="0"/>
+                <a:cs typeface="Times New Roman" panose="02020603050405020304" pitchFamily="18" charset="0"/>
+              </a:rPr>
+              <a:t>” se introduce en la variable “a” y el valor de “</a:t>
+            </a:r>
+            <a:r>
+              <a:rPr lang="es-ES" sz="1800" dirty="0" err="1">
+                <a:effectLst/>
+                <a:latin typeface="Verdana" panose="020B0604030504040204" pitchFamily="34" charset="0"/>
+                <a:ea typeface="Calibri" panose="020F0502020204030204" pitchFamily="34" charset="0"/>
+                <a:cs typeface="Times New Roman" panose="02020603050405020304" pitchFamily="18" charset="0"/>
+              </a:rPr>
+              <a:t>intA</a:t>
+            </a:r>
+            <a:r>
+              <a:rPr lang="es-ES" sz="1800" dirty="0">
+                <a:effectLst/>
+                <a:latin typeface="Verdana" panose="020B0604030504040204" pitchFamily="34" charset="0"/>
+                <a:ea typeface="Calibri" panose="020F0502020204030204" pitchFamily="34" charset="0"/>
+                <a:cs typeface="Times New Roman" panose="02020603050405020304" pitchFamily="18" charset="0"/>
+              </a:rPr>
+              <a:t>” en la variable “b”.</a:t>
+            </a:r>
+          </a:p>
+          <a:p>
+            <a:endParaRPr lang="en-US" sz="1200" dirty="0"/>
           </a:p>
           <a:p>
             <a:pPr marL="0" marR="0" lvl="0" indent="0" algn="l" defTabSz="914400" rtl="0" eaLnBrk="1" fontAlgn="auto" latinLnBrk="0" hangingPunct="1">
@@ -3461,40 +3728,32 @@
               <a:defRPr/>
             </a:pPr>
             <a:r>
-              <a:rPr lang="en-US" sz="1200" dirty="0"/>
-              <a:t>Notice in the image that this data enters in the order written when calling the routine, i.e. the value of the </a:t>
-            </a:r>
-            <a:r>
-              <a:rPr lang="en-US" sz="1200" dirty="0" err="1"/>
-              <a:t>intA</a:t>
-            </a:r>
-            <a:r>
-              <a:rPr lang="en-US" sz="1200" dirty="0"/>
-              <a:t> will enter in variable a and the value of the variable </a:t>
-            </a:r>
-            <a:r>
-              <a:rPr lang="en-US" sz="1200" dirty="0" err="1"/>
-              <a:t>intB</a:t>
-            </a:r>
-            <a:r>
-              <a:rPr lang="en-US" sz="1200" dirty="0"/>
-              <a:t> will enter in variable b.</a:t>
-            </a:r>
-          </a:p>
-          <a:p>
-            <a:r>
-              <a:rPr lang="en-US" dirty="0"/>
-              <a:t>Variables exchanged between subprograms during their call are called p-</a:t>
-            </a:r>
-            <a:r>
-              <a:rPr lang="en-US" dirty="0" err="1"/>
-              <a:t>rameters</a:t>
-            </a:r>
-            <a:r>
-              <a:rPr lang="en-US" dirty="0"/>
+              <a:rPr lang="es-ES" sz="1800" dirty="0">
+                <a:effectLst/>
+                <a:latin typeface="Verdana" panose="020B0604030504040204" pitchFamily="34" charset="0"/>
+                <a:ea typeface="Calibri" panose="020F0502020204030204" pitchFamily="34" charset="0"/>
+                <a:cs typeface="Times New Roman" panose="02020603050405020304" pitchFamily="18" charset="0"/>
+              </a:rPr>
+              <a:t>Las variables usadas en las subrutinas cuando son invocadas se llaman </a:t>
+            </a:r>
+            <a:r>
+              <a:rPr lang="es-ES" sz="1800" b="1" dirty="0">
+                <a:effectLst/>
+                <a:latin typeface="Verdana" panose="020B0604030504040204" pitchFamily="34" charset="0"/>
+                <a:ea typeface="Calibri" panose="020F0502020204030204" pitchFamily="34" charset="0"/>
+                <a:cs typeface="Times New Roman" panose="02020603050405020304" pitchFamily="18" charset="0"/>
+              </a:rPr>
+              <a:t>parámetros</a:t>
+            </a:r>
+            <a:r>
+              <a:rPr lang="es-ES" sz="1800" dirty="0">
+                <a:effectLst/>
+                <a:latin typeface="Verdana" panose="020B0604030504040204" pitchFamily="34" charset="0"/>
+                <a:ea typeface="Calibri" panose="020F0502020204030204" pitchFamily="34" charset="0"/>
+                <a:cs typeface="Times New Roman" panose="02020603050405020304" pitchFamily="18" charset="0"/>
+              </a:rPr>
               <a:t>. </a:t>
             </a:r>
-            <a:endParaRPr lang="el-GR" dirty="0"/>
           </a:p>
         </p:txBody>
       </p:sp>
@@ -3579,24 +3838,95 @@
           <a:lstStyle/>
           <a:p>
             <a:r>
-              <a:rPr lang="en-US" dirty="0"/>
-              <a:t>Each subprogram has its own memory space to store their variables.    An exception to this rule is the Class_Globals subprogram, whose data is known to all B4XMainPage routines and can be reported to them by name. </a:t>
-            </a:r>
-          </a:p>
-          <a:p>
-            <a:r>
-              <a:rPr lang="en-US" dirty="0"/>
-              <a:t>From the image code you can notice that the variable </a:t>
-            </a:r>
-            <a:r>
-              <a:rPr lang="en-US" dirty="0" err="1"/>
+              <a:rPr lang="es-ES" sz="1800" dirty="0">
+                <a:effectLst/>
+                <a:latin typeface="Verdana" panose="020B0604030504040204" pitchFamily="34" charset="0"/>
+                <a:ea typeface="Calibri" panose="020F0502020204030204" pitchFamily="34" charset="0"/>
+                <a:cs typeface="Times New Roman" panose="02020603050405020304" pitchFamily="18" charset="0"/>
+              </a:rPr>
+              <a:t>Cada subrutina tiene su propio espacio de memoria donde almacenar variables. La única excepción es la subrutina </a:t>
+            </a:r>
+            <a:r>
+              <a:rPr lang="es-ES" sz="1800" b="1" dirty="0" err="1">
+                <a:effectLst/>
+                <a:latin typeface="Verdana" panose="020B0604030504040204" pitchFamily="34" charset="0"/>
+                <a:ea typeface="Calibri" panose="020F0502020204030204" pitchFamily="34" charset="0"/>
+                <a:cs typeface="Times New Roman" panose="02020603050405020304" pitchFamily="18" charset="0"/>
+              </a:rPr>
+              <a:t>Class_Globals</a:t>
+            </a:r>
+            <a:r>
+              <a:rPr lang="es-ES" sz="1800" dirty="0">
+                <a:effectLst/>
+                <a:latin typeface="Verdana" panose="020B0604030504040204" pitchFamily="34" charset="0"/>
+                <a:ea typeface="Calibri" panose="020F0502020204030204" pitchFamily="34" charset="0"/>
+                <a:cs typeface="Times New Roman" panose="02020603050405020304" pitchFamily="18" charset="0"/>
+              </a:rPr>
+              <a:t> cuyas variables pueden ser consultados por todas las rutinas de B4XMainPage por sus nombres.</a:t>
+            </a:r>
+          </a:p>
+          <a:p>
+            <a:endParaRPr lang="es-ES" sz="1800" dirty="0">
+              <a:effectLst/>
+              <a:latin typeface="Verdana" panose="020B0604030504040204" pitchFamily="34" charset="0"/>
+              <a:ea typeface="Calibri" panose="020F0502020204030204" pitchFamily="34" charset="0"/>
+              <a:cs typeface="Times New Roman" panose="02020603050405020304" pitchFamily="18" charset="0"/>
+            </a:endParaRPr>
+          </a:p>
+          <a:p>
+            <a:r>
+              <a:rPr lang="es-ES" sz="1800" dirty="0">
+                <a:effectLst/>
+                <a:latin typeface="Verdana" panose="020B0604030504040204" pitchFamily="34" charset="0"/>
+                <a:ea typeface="Calibri" panose="020F0502020204030204" pitchFamily="34" charset="0"/>
+                <a:cs typeface="Times New Roman" panose="02020603050405020304" pitchFamily="18" charset="0"/>
+              </a:rPr>
+              <a:t>En la </a:t>
+            </a:r>
+            <a:r>
+              <a:rPr lang="es-ES" sz="1800" b="0" dirty="0">
+                <a:effectLst/>
+                <a:latin typeface="Verdana" panose="020B0604030504040204" pitchFamily="34" charset="0"/>
+                <a:ea typeface="Calibri" panose="020F0502020204030204" pitchFamily="34" charset="0"/>
+                <a:cs typeface="Times New Roman" panose="02020603050405020304" pitchFamily="18" charset="0"/>
+              </a:rPr>
+              <a:t>imagen con el código</a:t>
+            </a:r>
+            <a:r>
+              <a:rPr lang="es-ES" sz="1800" dirty="0">
+                <a:effectLst/>
+                <a:latin typeface="Verdana" panose="020B0604030504040204" pitchFamily="34" charset="0"/>
+                <a:ea typeface="Calibri" panose="020F0502020204030204" pitchFamily="34" charset="0"/>
+                <a:cs typeface="Times New Roman" panose="02020603050405020304" pitchFamily="18" charset="0"/>
+              </a:rPr>
+              <a:t> puedes ver que la variable </a:t>
+            </a:r>
+            <a:r>
+              <a:rPr lang="es-ES" sz="1800" b="1" dirty="0" err="1">
+                <a:effectLst/>
+                <a:latin typeface="Verdana" panose="020B0604030504040204" pitchFamily="34" charset="0"/>
+                <a:ea typeface="Calibri" panose="020F0502020204030204" pitchFamily="34" charset="0"/>
+                <a:cs typeface="Times New Roman" panose="02020603050405020304" pitchFamily="18" charset="0"/>
+              </a:rPr>
               <a:t>intSum</a:t>
             </a:r>
             <a:r>
-              <a:rPr lang="en-US" dirty="0"/>
-              <a:t> is known in both subprograms and is used simply by writing its name. In B4X these variables are displayed in a different color so that the developer can Distinguish easily. On the contrary, variables declared within the remaining variables live only within them and another subprogram cannot use them by name. </a:t>
-            </a:r>
-            <a:endParaRPr lang="el-GR" dirty="0"/>
+              <a:rPr lang="es-ES" sz="1800" dirty="0">
+                <a:effectLst/>
+                <a:latin typeface="Verdana" panose="020B0604030504040204" pitchFamily="34" charset="0"/>
+                <a:ea typeface="Calibri" panose="020F0502020204030204" pitchFamily="34" charset="0"/>
+                <a:cs typeface="Times New Roman" panose="02020603050405020304" pitchFamily="18" charset="0"/>
+              </a:rPr>
+              <a:t> es accesible desde cualquier subrutina y se puede consultar escribiendo su nombre. En B4X estas variables se representan en un color diferente para que el programador pueda distinguirlas fácilmente. Por el contrario, las variables declaradas dentro de una subrutina sólo son accesible desde esa subrutina</a:t>
+            </a:r>
+          </a:p>
+          <a:p>
+            <a:endParaRPr lang="es-ES" sz="1800" dirty="0">
+              <a:effectLst/>
+              <a:latin typeface="Verdana" panose="020B0604030504040204" pitchFamily="34" charset="0"/>
+              <a:ea typeface="Calibri" panose="020F0502020204030204" pitchFamily="34" charset="0"/>
+              <a:cs typeface="Times New Roman" panose="02020603050405020304" pitchFamily="18" charset="0"/>
+            </a:endParaRPr>
           </a:p>
         </p:txBody>
       </p:sp>
@@ -3680,43 +4010,143 @@
           <a:bodyPr/>
           <a:lstStyle/>
           <a:p>
-            <a:r>
-              <a:rPr lang="en-US" dirty="0"/>
-              <a:t>A subprogram can return a value to the code that calls it. This is done through the subprogram name itself as follows: </a:t>
-            </a:r>
-          </a:p>
-          <a:p>
-            <a:r>
-              <a:rPr lang="en-US" dirty="0"/>
-              <a:t>•The program must be declared as a variable type.</a:t>
-            </a:r>
-          </a:p>
-          <a:p>
-            <a:r>
-              <a:rPr lang="en-US" dirty="0"/>
-              <a:t>•In addition, the return command must be used within the </a:t>
-            </a:r>
-            <a:r>
-              <a:rPr lang="en-US" dirty="0" err="1"/>
-              <a:t>subprogramm</a:t>
-            </a:r>
-            <a:r>
-              <a:rPr lang="en-US" dirty="0"/>
-              <a:t> to return the calculated value.</a:t>
-            </a:r>
-          </a:p>
-          <a:p>
-            <a:r>
-              <a:rPr lang="en-US" dirty="0"/>
-              <a:t>•Finally, the code that called the subprogram accepts back the value </a:t>
-            </a:r>
-            <a:r>
-              <a:rPr lang="en-US" dirty="0" err="1"/>
-              <a:t>cal-culated</a:t>
-            </a:r>
-            <a:r>
-              <a:rPr lang="en-US" dirty="0"/>
-              <a:t> and can use it like any variable. </a:t>
+            <a:pPr algn="just">
+              <a:lnSpc>
+                <a:spcPct val="107000"/>
+              </a:lnSpc>
+              <a:spcAft>
+                <a:spcPts val="800"/>
+              </a:spcAft>
+            </a:pPr>
+            <a:r>
+              <a:rPr lang="es-ES" sz="1800" dirty="0">
+                <a:effectLst/>
+                <a:latin typeface="Verdana" panose="020B0604030504040204" pitchFamily="34" charset="0"/>
+                <a:ea typeface="Calibri" panose="020F0502020204030204" pitchFamily="34" charset="0"/>
+                <a:cs typeface="Times New Roman" panose="02020603050405020304" pitchFamily="18" charset="0"/>
+              </a:rPr>
+              <a:t>Una subrutina puede devolver un valor al código que la invocó. Esto se hace de la siguiente forma: </a:t>
+            </a:r>
+          </a:p>
+          <a:p>
+            <a:pPr algn="just">
+              <a:lnSpc>
+                <a:spcPct val="107000"/>
+              </a:lnSpc>
+              <a:spcAft>
+                <a:spcPts val="800"/>
+              </a:spcAft>
+            </a:pPr>
+            <a:endParaRPr lang="es-ES" sz="1800" dirty="0">
+              <a:effectLst/>
+              <a:latin typeface="Verdana" panose="020B0604030504040204" pitchFamily="34" charset="0"/>
+              <a:ea typeface="Calibri" panose="020F0502020204030204" pitchFamily="34" charset="0"/>
+              <a:cs typeface="Times New Roman" panose="02020603050405020304" pitchFamily="18" charset="0"/>
+            </a:endParaRPr>
+          </a:p>
+          <a:p>
+            <a:pPr marL="342900" indent="-342900" algn="just">
+              <a:lnSpc>
+                <a:spcPct val="107000"/>
+              </a:lnSpc>
+              <a:spcAft>
+                <a:spcPts val="800"/>
+              </a:spcAft>
+              <a:buAutoNum type="arabicPeriod"/>
+            </a:pPr>
+            <a:r>
+              <a:rPr lang="es-ES" sz="1800" dirty="0">
+                <a:effectLst/>
+                <a:latin typeface="Verdana" panose="020B0604030504040204" pitchFamily="34" charset="0"/>
+                <a:ea typeface="Calibri" panose="020F0502020204030204" pitchFamily="34" charset="0"/>
+                <a:cs typeface="Times New Roman" panose="02020603050405020304" pitchFamily="18" charset="0"/>
+              </a:rPr>
+              <a:t>En la declaración de la subrutina tienes que incluir el tipo de variable que devolverá (</a:t>
+            </a:r>
+            <a:r>
+              <a:rPr lang="es-ES" sz="1800" b="1" dirty="0">
+                <a:effectLst/>
+                <a:latin typeface="Verdana" panose="020B0604030504040204" pitchFamily="34" charset="0"/>
+                <a:ea typeface="Calibri" panose="020F0502020204030204" pitchFamily="34" charset="0"/>
+                <a:cs typeface="Times New Roman" panose="02020603050405020304" pitchFamily="18" charset="0"/>
+              </a:rPr>
+              <a:t>as </a:t>
+            </a:r>
+            <a:r>
+              <a:rPr lang="es-ES" sz="1800" b="1" dirty="0" err="1">
+                <a:effectLst/>
+                <a:latin typeface="Verdana" panose="020B0604030504040204" pitchFamily="34" charset="0"/>
+                <a:ea typeface="Calibri" panose="020F0502020204030204" pitchFamily="34" charset="0"/>
+                <a:cs typeface="Times New Roman" panose="02020603050405020304" pitchFamily="18" charset="0"/>
+              </a:rPr>
+              <a:t>Int</a:t>
+            </a:r>
+            <a:r>
+              <a:rPr lang="es-ES" sz="1800" dirty="0">
+                <a:effectLst/>
+                <a:latin typeface="Verdana" panose="020B0604030504040204" pitchFamily="34" charset="0"/>
+                <a:ea typeface="Calibri" panose="020F0502020204030204" pitchFamily="34" charset="0"/>
+                <a:cs typeface="Times New Roman" panose="02020603050405020304" pitchFamily="18" charset="0"/>
+              </a:rPr>
+              <a:t> en la imagen).</a:t>
+            </a:r>
+          </a:p>
+          <a:p>
+            <a:pPr marL="342900" indent="-342900" algn="just">
+              <a:lnSpc>
+                <a:spcPct val="107000"/>
+              </a:lnSpc>
+              <a:spcAft>
+                <a:spcPts val="800"/>
+              </a:spcAft>
+              <a:buAutoNum type="arabicPeriod"/>
+            </a:pPr>
+            <a:r>
+              <a:rPr lang="es-ES" sz="1800" dirty="0">
+                <a:effectLst/>
+                <a:latin typeface="Verdana" panose="020B0604030504040204" pitchFamily="34" charset="0"/>
+                <a:ea typeface="Calibri" panose="020F0502020204030204" pitchFamily="34" charset="0"/>
+                <a:cs typeface="Times New Roman" panose="02020603050405020304" pitchFamily="18" charset="0"/>
+              </a:rPr>
+              <a:t>Debes usar la sentencia </a:t>
+            </a:r>
+            <a:r>
+              <a:rPr lang="es-ES" sz="1800" b="1" dirty="0" err="1">
+                <a:effectLst/>
+                <a:latin typeface="Verdana" panose="020B0604030504040204" pitchFamily="34" charset="0"/>
+                <a:ea typeface="Calibri" panose="020F0502020204030204" pitchFamily="34" charset="0"/>
+                <a:cs typeface="Times New Roman" panose="02020603050405020304" pitchFamily="18" charset="0"/>
+              </a:rPr>
+              <a:t>Return</a:t>
+            </a:r>
+            <a:r>
+              <a:rPr lang="es-ES" sz="1800" dirty="0">
+                <a:effectLst/>
+                <a:latin typeface="Verdana" panose="020B0604030504040204" pitchFamily="34" charset="0"/>
+                <a:ea typeface="Calibri" panose="020F0502020204030204" pitchFamily="34" charset="0"/>
+                <a:cs typeface="Times New Roman" panose="02020603050405020304" pitchFamily="18" charset="0"/>
+              </a:rPr>
+              <a:t> dentro de la subrutina para devolver el valor que quieras.</a:t>
+            </a:r>
+          </a:p>
+          <a:p>
+            <a:pPr marL="342900" indent="-342900" algn="just">
+              <a:lnSpc>
+                <a:spcPct val="107000"/>
+              </a:lnSpc>
+              <a:spcAft>
+                <a:spcPts val="800"/>
+              </a:spcAft>
+              <a:buAutoNum type="arabicPeriod"/>
+            </a:pPr>
+            <a:r>
+              <a:rPr lang="es-ES" sz="1800" dirty="0">
+                <a:effectLst/>
+                <a:latin typeface="Verdana" panose="020B0604030504040204" pitchFamily="34" charset="0"/>
+                <a:ea typeface="Calibri" panose="020F0502020204030204" pitchFamily="34" charset="0"/>
+                <a:cs typeface="Times New Roman" panose="02020603050405020304" pitchFamily="18" charset="0"/>
+              </a:rPr>
+              <a:t>El código que ha invocado la subrutina usará el valor devuelto por la subrutina como si fuera una variable.</a:t>
             </a:r>
           </a:p>
           <a:p>
@@ -3804,82 +4234,152 @@
           <a:bodyPr/>
           <a:lstStyle/>
           <a:p>
-            <a:r>
-              <a:rPr lang="en-US" dirty="0"/>
-              <a:t>Write a subprogram that accepts 3 integer variables and returns the largest value. </a:t>
-            </a:r>
-          </a:p>
-          <a:p>
-            <a:r>
-              <a:rPr lang="en-US" dirty="0"/>
-              <a:t>1. Three integer variables (</a:t>
-            </a:r>
-            <a:r>
-              <a:rPr lang="en-US" dirty="0" err="1"/>
+            <a:pPr marL="0" marR="0" lvl="0" indent="0" algn="l" defTabSz="914400" rtl="0" eaLnBrk="1" fontAlgn="auto" latinLnBrk="0" hangingPunct="1">
+              <a:lnSpc>
+                <a:spcPct val="100000"/>
+              </a:lnSpc>
+              <a:spcBef>
+                <a:spcPts val="0"/>
+              </a:spcBef>
+              <a:spcAft>
+                <a:spcPts val="0"/>
+              </a:spcAft>
+              <a:buClrTx/>
+              <a:buSzTx/>
+              <a:buFontTx/>
+              <a:buNone/>
+              <a:tabLst/>
+              <a:defRPr/>
+            </a:pPr>
+            <a:r>
+              <a:rPr lang="es-ES" sz="1800" dirty="0">
+                <a:effectLst/>
+                <a:latin typeface="Verdana" panose="020B0604030504040204" pitchFamily="34" charset="0"/>
+                <a:ea typeface="Calibri" panose="020F0502020204030204" pitchFamily="34" charset="0"/>
+                <a:cs typeface="Times New Roman" panose="02020603050405020304" pitchFamily="18" charset="0"/>
+              </a:rPr>
+              <a:t>Escribe un programa que lea 3 enteros y devuelva el mayor. </a:t>
+            </a:r>
+          </a:p>
+          <a:p>
+            <a:pPr algn="l"/>
+            <a:endParaRPr lang="en-US" sz="1800" dirty="0"/>
+          </a:p>
+          <a:p>
+            <a:pPr algn="l"/>
+            <a:r>
+              <a:rPr lang="en-US" sz="1800" dirty="0"/>
+              <a:t>1. </a:t>
+            </a:r>
+            <a:r>
+              <a:rPr lang="es-ES" sz="1800" dirty="0"/>
+              <a:t>Declaramos 3 variables enteras (</a:t>
+            </a:r>
+            <a:r>
+              <a:rPr lang="es-ES" sz="1800" dirty="0" err="1"/>
               <a:t>Inta</a:t>
             </a:r>
             <a:r>
-              <a:rPr lang="en-US" dirty="0"/>
+              <a:rPr lang="es-ES" sz="1800" dirty="0"/>
               <a:t>, </a:t>
             </a:r>
             <a:r>
-              <a:rPr lang="en-US" dirty="0" err="1"/>
+              <a:rPr lang="es-ES" sz="1800" dirty="0" err="1"/>
               <a:t>intB</a:t>
             </a:r>
             <a:r>
-              <a:rPr lang="en-US" dirty="0"/>
+              <a:rPr lang="es-ES" sz="1800" dirty="0"/>
               <a:t>, </a:t>
             </a:r>
             <a:r>
-              <a:rPr lang="en-US" dirty="0" err="1"/>
+              <a:rPr lang="es-ES" sz="1800" dirty="0" err="1"/>
               <a:t>intC</a:t>
             </a:r>
             <a:r>
-              <a:rPr lang="en-US" dirty="0"/>
-              <a:t>) are declared within subprogram B4XPage_Created.</a:t>
-            </a:r>
-          </a:p>
-          <a:p>
-            <a:r>
-              <a:rPr lang="en-US" dirty="0"/>
-              <a:t>2. Values are assigned to the three variables.</a:t>
-            </a:r>
-          </a:p>
-          <a:p>
-            <a:r>
-              <a:rPr lang="en-US" dirty="0"/>
-              <a:t>3. The </a:t>
-            </a:r>
-            <a:r>
-              <a:rPr lang="en-US" dirty="0" err="1"/>
-              <a:t>sMax</a:t>
-            </a:r>
-            <a:r>
-              <a:rPr lang="en-US" dirty="0"/>
-              <a:t> subprogram is called with parameters the three variables.</a:t>
-            </a:r>
-          </a:p>
-          <a:p>
-            <a:r>
-              <a:rPr lang="en-US" dirty="0"/>
-              <a:t>4. The subprogram applies the MAX algorithm for the three variables a, b, c and returns the </a:t>
-            </a:r>
-            <a:r>
-              <a:rPr lang="en-US" dirty="0" err="1"/>
+              <a:rPr lang="es-ES" sz="1800" dirty="0"/>
+              <a:t>) en la subrutina </a:t>
+            </a:r>
+            <a:r>
+              <a:rPr lang="es-ES" sz="1800" b="1" dirty="0"/>
+              <a:t>B4XPage_Created</a:t>
+            </a:r>
+            <a:r>
+              <a:rPr lang="es-ES" sz="1800" dirty="0"/>
+              <a:t>.</a:t>
+            </a:r>
+            <a:endParaRPr lang="en-US" sz="1800" dirty="0"/>
+          </a:p>
+          <a:p>
+            <a:pPr algn="l"/>
+            <a:r>
+              <a:rPr lang="en-US" sz="1800" dirty="0"/>
+              <a:t>2. </a:t>
+            </a:r>
+            <a:r>
+              <a:rPr lang="es-ES" sz="1800" dirty="0"/>
+              <a:t>Asignamos valores a las tres variables</a:t>
+            </a:r>
+            <a:r>
+              <a:rPr lang="en-US" sz="1800" dirty="0"/>
+              <a:t>.</a:t>
+            </a:r>
+          </a:p>
+          <a:p>
+            <a:pPr algn="l"/>
+            <a:r>
+              <a:rPr lang="en-US" sz="1800" dirty="0"/>
+              <a:t>3. </a:t>
+            </a:r>
+            <a:r>
+              <a:rPr lang="es-ES" sz="1800" dirty="0"/>
+              <a:t>Invocamos a la subrutina </a:t>
+            </a:r>
+            <a:r>
+              <a:rPr lang="es-ES" sz="1800" dirty="0" err="1"/>
+              <a:t>CalcularMax</a:t>
+            </a:r>
+            <a:r>
+              <a:rPr lang="es-ES" sz="1800" dirty="0"/>
+              <a:t> con las 3 variables como parámetros</a:t>
+            </a:r>
+            <a:r>
+              <a:rPr lang="en-US" sz="1800" dirty="0"/>
+              <a:t>.</a:t>
+            </a:r>
+          </a:p>
+          <a:p>
+            <a:pPr algn="l"/>
+            <a:r>
+              <a:rPr lang="en-US" sz="1800" dirty="0"/>
+              <a:t>4. </a:t>
+            </a:r>
+            <a:r>
+              <a:rPr lang="es-ES" sz="1800" dirty="0"/>
+              <a:t>La subrutina aplica el algoritmo Máximo a las variables a, b, c y devuelve el resultado </a:t>
+            </a:r>
+            <a:r>
+              <a:rPr lang="es-ES" sz="1800" dirty="0" err="1"/>
               <a:t>intM</a:t>
             </a:r>
             <a:r>
-              <a:rPr lang="en-US" dirty="0"/>
-              <a:t> value calculated.</a:t>
-            </a:r>
-          </a:p>
-          <a:p>
-            <a:r>
-              <a:rPr lang="en-US" dirty="0"/>
-              <a:t>5. Finally, the highest value appears on the Log screen.</a:t>
-            </a:r>
-          </a:p>
-          <a:p>
+              <a:rPr lang="es-ES" sz="1800" dirty="0"/>
+              <a:t> calculado</a:t>
+            </a:r>
+            <a:r>
+              <a:rPr lang="en-US" sz="1800" dirty="0"/>
+              <a:t>.</a:t>
+            </a:r>
+          </a:p>
+          <a:p>
+            <a:pPr algn="l"/>
+            <a:r>
+              <a:rPr lang="en-US" sz="1800" dirty="0"/>
+              <a:t>5. </a:t>
+            </a:r>
+            <a:r>
+              <a:rPr lang="es-ES" sz="1800" dirty="0"/>
+              <a:t>El valor mayor es mostrado en la ventana de Log</a:t>
+            </a:r>
             <a:endParaRPr lang="el-GR" dirty="0"/>
           </a:p>
         </p:txBody>
@@ -4470,15 +4970,23 @@
           <a:p>
             <a:pPr algn="r"/>
             <a:r>
+              <a:rPr lang="en-US" dirty="0" err="1"/>
+              <a:t>Profesor</a:t>
+            </a:r>
+            <a:r>
               <a:rPr lang="en-US" dirty="0"/>
-              <a:t>Teacher: </a:t>
+              <a:t>: </a:t>
             </a:r>
           </a:p>
           <a:p>
             <a:pPr algn="r"/>
             <a:r>
+              <a:rPr lang="en-US" dirty="0" err="1"/>
+              <a:t>Fecha</a:t>
+            </a:r>
+            <a:r>
               <a:rPr lang="en-US" dirty="0"/>
-              <a:t>Date: </a:t>
+              <a:t>: </a:t>
             </a:r>
             <a:endParaRPr lang="el-GR" dirty="0"/>
           </a:p>
@@ -4792,7 +5300,7 @@
           <a:p>
             <a:fld id="{86F0BDD2-2FE9-4947-8A0F-347E40919148}" type="datetimeFigureOut">
               <a:rPr lang="el-GR" smtClean="0"/>
-              <a:t>1/3/2021</a:t>
+              <a:t>23/3/2021</a:t>
             </a:fld>
             <a:endParaRPr lang="el-GR"/>
           </a:p>
@@ -4854,7 +5362,7 @@
           <a:p>
             <a:fld id="{F9728FE4-F993-4AA7-8D32-92FBEBDEE1A7}" type="slidenum">
               <a:rPr lang="el-GR" smtClean="0"/>
-              <a:t>‹#›</a:t>
+              <a:t>‹Nº›</a:t>
             </a:fld>
             <a:endParaRPr lang="el-GR"/>
           </a:p>
@@ -5102,7 +5610,7 @@
             <a:fld id="{86F0BDD2-2FE9-4947-8A0F-347E40919148}" type="datetimeFigureOut">
               <a:rPr lang="el-GR" smtClean="0"/>
               <a:pPr/>
-              <a:t>1/3/2021</a:t>
+              <a:t>23/3/2021</a:t>
             </a:fld>
             <a:endParaRPr lang="el-GR"/>
           </a:p>
@@ -5179,7 +5687,7 @@
             <a:fld id="{F9728FE4-F993-4AA7-8D32-92FBEBDEE1A7}" type="slidenum">
               <a:rPr lang="el-GR" smtClean="0"/>
               <a:pPr/>
-              <a:t>‹#›</a:t>
+              <a:t>‹Nº›</a:t>
             </a:fld>
             <a:endParaRPr lang="el-GR"/>
           </a:p>
@@ -5413,7 +5921,7 @@
           <a:p>
             <a:fld id="{86F0BDD2-2FE9-4947-8A0F-347E40919148}" type="datetimeFigureOut">
               <a:rPr lang="el-GR" smtClean="0"/>
-              <a:t>1/3/2021</a:t>
+              <a:t>23/3/2021</a:t>
             </a:fld>
             <a:endParaRPr lang="el-GR"/>
           </a:p>
@@ -5475,7 +5983,7 @@
           <a:p>
             <a:fld id="{F9728FE4-F993-4AA7-8D32-92FBEBDEE1A7}" type="slidenum">
               <a:rPr lang="el-GR" smtClean="0"/>
-              <a:t>‹#›</a:t>
+              <a:t>‹Nº›</a:t>
             </a:fld>
             <a:endParaRPr lang="el-GR"/>
           </a:p>
@@ -5930,7 +6438,7 @@
             <a:fld id="{86F0BDD2-2FE9-4947-8A0F-347E40919148}" type="datetimeFigureOut">
               <a:rPr lang="el-GR" smtClean="0"/>
               <a:pPr/>
-              <a:t>1/3/2021</a:t>
+              <a:t>23/3/2021</a:t>
             </a:fld>
             <a:endParaRPr lang="el-GR">
               <a:latin typeface="Verdana" panose="020B0604030504040204" pitchFamily="34" charset="0"/>
@@ -6013,7 +6521,7 @@
             <a:fld id="{F9728FE4-F993-4AA7-8D32-92FBEBDEE1A7}" type="slidenum">
               <a:rPr lang="el-GR" smtClean="0"/>
               <a:pPr/>
-              <a:t>‹#›</a:t>
+              <a:t>‹Nº›</a:t>
             </a:fld>
             <a:endParaRPr lang="el-GR">
               <a:latin typeface="Verdana" panose="020B0604030504040204" pitchFamily="34" charset="0"/>
@@ -6137,7 +6645,7 @@
             <a:fld id="{86F0BDD2-2FE9-4947-8A0F-347E40919148}" type="datetimeFigureOut">
               <a:rPr lang="el-GR" smtClean="0"/>
               <a:pPr/>
-              <a:t>1/3/2021</a:t>
+              <a:t>23/3/2021</a:t>
             </a:fld>
             <a:endParaRPr lang="el-GR" sz="1100"/>
           </a:p>
@@ -6214,7 +6722,7 @@
             <a:fld id="{F9728FE4-F993-4AA7-8D32-92FBEBDEE1A7}" type="slidenum">
               <a:rPr lang="el-GR" smtClean="0"/>
               <a:pPr/>
-              <a:t>‹#›</a:t>
+              <a:t>‹Nº›</a:t>
             </a:fld>
             <a:endParaRPr lang="el-GR" sz="1100"/>
           </a:p>
@@ -6285,7 +6793,7 @@
           <a:p>
             <a:fld id="{86F0BDD2-2FE9-4947-8A0F-347E40919148}" type="datetimeFigureOut">
               <a:rPr lang="el-GR" smtClean="0"/>
-              <a:t>1/3/2021</a:t>
+              <a:t>23/3/2021</a:t>
             </a:fld>
             <a:endParaRPr lang="el-GR"/>
           </a:p>
@@ -6347,7 +6855,7 @@
           <a:p>
             <a:fld id="{F9728FE4-F993-4AA7-8D32-92FBEBDEE1A7}" type="slidenum">
               <a:rPr lang="el-GR" smtClean="0"/>
-              <a:t>‹#›</a:t>
+              <a:t>‹Nº›</a:t>
             </a:fld>
             <a:endParaRPr lang="el-GR"/>
           </a:p>
@@ -6647,7 +7155,7 @@
             <a:fld id="{86F0BDD2-2FE9-4947-8A0F-347E40919148}" type="datetimeFigureOut">
               <a:rPr lang="el-GR" smtClean="0"/>
               <a:pPr/>
-              <a:t>1/3/2021</a:t>
+              <a:t>23/3/2021</a:t>
             </a:fld>
             <a:endParaRPr lang="el-GR">
               <a:latin typeface="Verdana" panose="020B0604030504040204" pitchFamily="34" charset="0"/>
@@ -6730,7 +7238,7 @@
             <a:fld id="{F9728FE4-F993-4AA7-8D32-92FBEBDEE1A7}" type="slidenum">
               <a:rPr lang="el-GR" smtClean="0"/>
               <a:pPr/>
-              <a:t>‹#›</a:t>
+              <a:t>‹Nº›</a:t>
             </a:fld>
             <a:endParaRPr lang="el-GR">
               <a:latin typeface="Verdana" panose="020B0604030504040204" pitchFamily="34" charset="0"/>
@@ -6998,7 +7506,7 @@
             <a:fld id="{86F0BDD2-2FE9-4947-8A0F-347E40919148}" type="datetimeFigureOut">
               <a:rPr lang="el-GR" smtClean="0"/>
               <a:pPr/>
-              <a:t>1/3/2021</a:t>
+              <a:t>23/3/2021</a:t>
             </a:fld>
             <a:endParaRPr lang="el-GR">
               <a:latin typeface="Verdana" panose="020B0604030504040204" pitchFamily="34" charset="0"/>
@@ -7081,7 +7589,7 @@
             <a:fld id="{F9728FE4-F993-4AA7-8D32-92FBEBDEE1A7}" type="slidenum">
               <a:rPr lang="el-GR" smtClean="0"/>
               <a:pPr/>
-              <a:t>‹#›</a:t>
+              <a:t>‹Nº›</a:t>
             </a:fld>
             <a:endParaRPr lang="el-GR">
               <a:latin typeface="Verdana" panose="020B0604030504040204" pitchFamily="34" charset="0"/>
@@ -7322,7 +7830,7 @@
             <a:fld id="{86F0BDD2-2FE9-4947-8A0F-347E40919148}" type="datetimeFigureOut">
               <a:rPr lang="el-GR" smtClean="0"/>
               <a:pPr/>
-              <a:t>1/3/2021</a:t>
+              <a:t>23/3/2021</a:t>
             </a:fld>
             <a:endParaRPr lang="el-GR"/>
           </a:p>
@@ -7372,7 +7880,7 @@
             <a:fld id="{F9728FE4-F993-4AA7-8D32-92FBEBDEE1A7}" type="slidenum">
               <a:rPr lang="el-GR" smtClean="0"/>
               <a:pPr/>
-              <a:t>‹#›</a:t>
+              <a:t>‹Nº›</a:t>
             </a:fld>
             <a:endParaRPr lang="el-GR"/>
           </a:p>
@@ -7809,8 +8317,12 @@
           <a:lstStyle/>
           <a:p>
             <a:r>
+              <a:rPr lang="en-US" dirty="0" err="1"/>
+              <a:t>Programando</a:t>
+            </a:r>
+            <a:r>
               <a:rPr lang="en-US" dirty="0"/>
-              <a:t>Programming with B4X</a:t>
+              <a:t> con B4X</a:t>
             </a:r>
             <a:endParaRPr lang="el-GR" dirty="0"/>
           </a:p>
@@ -7845,6 +8357,18 @@
           <a:lstStyle/>
           <a:p>
             <a:r>
+              <a:rPr lang="en-US" sz="2800" b="1" kern="0" dirty="0" err="1">
+                <a:solidFill>
+                  <a:srgbClr val="2F5496"/>
+                </a:solidFill>
+                <a:effectLst/>
+                <a:latin typeface="Verdana" panose="020B0604030504040204" pitchFamily="34" charset="0"/>
+                <a:ea typeface="Times New Roman" panose="02020603050405020304" pitchFamily="18" charset="0"/>
+                <a:cs typeface="Times New Roman" panose="02020603050405020304" pitchFamily="18" charset="0"/>
+              </a:rPr>
+              <a:t>Tema</a:t>
+            </a:r>
+            <a:r>
               <a:rPr lang="en-US" sz="2800" b="1" kern="0" dirty="0">
                 <a:solidFill>
                   <a:srgbClr val="2F5496"/>
@@ -7854,7 +8378,7 @@
                 <a:ea typeface="Times New Roman" panose="02020603050405020304" pitchFamily="18" charset="0"/>
                 <a:cs typeface="Times New Roman" panose="02020603050405020304" pitchFamily="18" charset="0"/>
               </a:rPr>
-              <a:t>Lesson </a:t>
+              <a:t> </a:t>
             </a:r>
             <a:r>
               <a:rPr lang="el-GR" sz="2800" b="1" kern="0" dirty="0">
@@ -7878,7 +8402,19 @@
                 <a:ea typeface="Times New Roman" panose="02020603050405020304" pitchFamily="18" charset="0"/>
                 <a:cs typeface="Times New Roman" panose="02020603050405020304" pitchFamily="18" charset="0"/>
               </a:rPr>
-              <a:t> – Subroutines</a:t>
+              <a:t> – </a:t>
+            </a:r>
+            <a:r>
+              <a:rPr lang="en-US" sz="2800" b="1" kern="0" dirty="0" err="1">
+                <a:solidFill>
+                  <a:srgbClr val="2F5496"/>
+                </a:solidFill>
+                <a:effectLst/>
+                <a:latin typeface="Verdana" panose="020B0604030504040204" pitchFamily="34" charset="0"/>
+                <a:ea typeface="Times New Roman" panose="02020603050405020304" pitchFamily="18" charset="0"/>
+                <a:cs typeface="Times New Roman" panose="02020603050405020304" pitchFamily="18" charset="0"/>
+              </a:rPr>
+              <a:t>Subrutinas</a:t>
             </a:r>
             <a:endParaRPr lang="el-GR" sz="3600" dirty="0"/>
           </a:p>
@@ -8044,8 +8580,8 @@
         </p:nvSpPr>
         <p:spPr>
           <a:xfrm>
-            <a:off x="2508420" y="3756206"/>
-            <a:ext cx="8946293" cy="513011"/>
+            <a:off x="1782499" y="3871477"/>
+            <a:ext cx="10123624" cy="513011"/>
           </a:xfrm>
           <a:prstGeom prst="rect">
             <a:avLst/>
@@ -8096,8 +8632,8 @@
         </p:nvSpPr>
         <p:spPr>
           <a:xfrm>
-            <a:off x="2508420" y="2881169"/>
-            <a:ext cx="8946293" cy="875285"/>
+            <a:off x="1782500" y="2949431"/>
+            <a:ext cx="10123625" cy="922046"/>
           </a:xfrm>
           <a:prstGeom prst="rect">
             <a:avLst/>
@@ -8148,8 +8684,8 @@
         </p:nvSpPr>
         <p:spPr>
           <a:xfrm>
-            <a:off x="2508420" y="2397211"/>
-            <a:ext cx="8946293" cy="469557"/>
+            <a:off x="1782502" y="2051459"/>
+            <a:ext cx="10123624" cy="897972"/>
           </a:xfrm>
           <a:prstGeom prst="rect">
             <a:avLst/>
@@ -8200,8 +8736,8 @@
         </p:nvSpPr>
         <p:spPr>
           <a:xfrm>
-            <a:off x="2508420" y="1865870"/>
-            <a:ext cx="8946293" cy="556054"/>
+            <a:off x="1782501" y="1541845"/>
+            <a:ext cx="10123624" cy="556054"/>
           </a:xfrm>
           <a:prstGeom prst="rect">
             <a:avLst/>
@@ -8262,8 +8798,8 @@
           <a:lstStyle/>
           <a:p>
             <a:r>
-              <a:rPr lang="en-US" dirty="0"/>
-              <a:t>Remember</a:t>
+              <a:rPr lang="en-US" dirty="0" err="1"/>
+              <a:t>Recuerda</a:t>
             </a:r>
             <a:br>
               <a:rPr lang="en-US" dirty="0"/>
@@ -8286,8 +8822,8 @@
         </p:nvSpPr>
         <p:spPr>
           <a:xfrm>
-            <a:off x="2508421" y="1334529"/>
-            <a:ext cx="9489989" cy="2920287"/>
+            <a:off x="1782501" y="1003178"/>
+            <a:ext cx="10123622" cy="3381310"/>
           </a:xfrm>
           <a:prstGeom prst="rect">
             <a:avLst/>
@@ -8309,13 +8845,13 @@
               </a:spcAft>
             </a:pPr>
             <a:r>
-              <a:rPr lang="en-US" sz="2800" dirty="0">
+              <a:rPr lang="es-ES" sz="2800" dirty="0">
                 <a:effectLst/>
                 <a:latin typeface="Verdana" panose="020B0604030504040204" pitchFamily="34" charset="0"/>
                 <a:ea typeface="Calibri" panose="020F0502020204030204" pitchFamily="34" charset="0"/>
                 <a:cs typeface="Times New Roman" panose="02020603050405020304" pitchFamily="18" charset="0"/>
               </a:rPr>
-              <a:t>We love subprograms because:</a:t>
+              <a:t>Nos encantan las subrutinas porque:</a:t>
             </a:r>
             <a:endParaRPr lang="el-GR" sz="2800" dirty="0">
               <a:effectLst/>
@@ -8333,20 +8869,14 @@
               <a:buChar char=""/>
             </a:pPr>
             <a:r>
-              <a:rPr lang="en-US" sz="2800" dirty="0">
+              <a:rPr lang="es-ES" sz="2800" dirty="0">
                 <a:effectLst/>
                 <a:latin typeface="Verdana" panose="020B0604030504040204" pitchFamily="34" charset="0"/>
                 <a:ea typeface="Calibri" panose="020F0502020204030204" pitchFamily="34" charset="0"/>
                 <a:cs typeface="Times New Roman" panose="02020603050405020304" pitchFamily="18" charset="0"/>
               </a:rPr>
-              <a:t>It is boring to always write the same code.</a:t>
-            </a:r>
-            <a:endParaRPr lang="el-GR" sz="2800" dirty="0">
-              <a:effectLst/>
-              <a:latin typeface="Verdana" panose="020B0604030504040204" pitchFamily="34" charset="0"/>
-              <a:ea typeface="Calibri" panose="020F0502020204030204" pitchFamily="34" charset="0"/>
-              <a:cs typeface="Times New Roman" panose="02020603050405020304" pitchFamily="18" charset="0"/>
-            </a:endParaRPr>
+              <a:t>Es aburrido escribir siempre el mismo código.</a:t>
+            </a:r>
           </a:p>
           <a:p>
             <a:pPr marL="342900" lvl="0" indent="-342900">
@@ -8357,20 +8887,14 @@
               <a:buChar char=""/>
             </a:pPr>
             <a:r>
-              <a:rPr lang="en-US" sz="2800" dirty="0">
+              <a:rPr lang="es-ES" sz="2800" dirty="0">
                 <a:effectLst/>
                 <a:latin typeface="Verdana" panose="020B0604030504040204" pitchFamily="34" charset="0"/>
                 <a:ea typeface="Calibri" panose="020F0502020204030204" pitchFamily="34" charset="0"/>
                 <a:cs typeface="Times New Roman" panose="02020603050405020304" pitchFamily="18" charset="0"/>
               </a:rPr>
-              <a:t>It is faster than anyone can type. </a:t>
-            </a:r>
-            <a:endParaRPr lang="el-GR" sz="2800" dirty="0">
-              <a:effectLst/>
-              <a:latin typeface="Verdana" panose="020B0604030504040204" pitchFamily="34" charset="0"/>
-              <a:ea typeface="Calibri" panose="020F0502020204030204" pitchFamily="34" charset="0"/>
-              <a:cs typeface="Times New Roman" panose="02020603050405020304" pitchFamily="18" charset="0"/>
-            </a:endParaRPr>
+              <a:t>Es más rápido usarlas que escribir de nuevo el código. </a:t>
+            </a:r>
           </a:p>
           <a:p>
             <a:pPr marL="342900" lvl="0" indent="-342900">
@@ -8381,40 +8905,31 @@
               <a:buChar char=""/>
             </a:pPr>
             <a:r>
-              <a:rPr lang="en-US" sz="2800" dirty="0">
+              <a:rPr lang="es-ES" sz="2800" dirty="0">
                 <a:effectLst/>
                 <a:latin typeface="Verdana" panose="020B0604030504040204" pitchFamily="34" charset="0"/>
                 <a:ea typeface="Calibri" panose="020F0502020204030204" pitchFamily="34" charset="0"/>
                 <a:cs typeface="Times New Roman" panose="02020603050405020304" pitchFamily="18" charset="0"/>
               </a:rPr>
-              <a:t>It is helping not to repeat the same mistakes. You have done it once!</a:t>
-            </a:r>
-            <a:endParaRPr lang="el-GR" sz="2800" dirty="0">
-              <a:effectLst/>
-              <a:latin typeface="Verdana" panose="020B0604030504040204" pitchFamily="34" charset="0"/>
-              <a:ea typeface="Calibri" panose="020F0502020204030204" pitchFamily="34" charset="0"/>
-              <a:cs typeface="Times New Roman" panose="02020603050405020304" pitchFamily="18" charset="0"/>
-            </a:endParaRPr>
+              <a:t>Es útil no repetir los mismos fallos. ¡Ya los has corregido una vez!</a:t>
+            </a:r>
           </a:p>
           <a:p>
             <a:pPr marL="342900" lvl="0" indent="-342900">
               <a:lnSpc>
                 <a:spcPct val="107000"/>
               </a:lnSpc>
-              <a:spcAft>
-                <a:spcPts val="800"/>
-              </a:spcAft>
               <a:buFont typeface="Symbol" panose="05050102010706020507" pitchFamily="18" charset="2"/>
               <a:buChar char=""/>
             </a:pPr>
             <a:r>
-              <a:rPr lang="en-US" sz="2800" dirty="0">
+              <a:rPr lang="es-ES" sz="2800" dirty="0">
                 <a:effectLst/>
                 <a:latin typeface="Verdana" panose="020B0604030504040204" pitchFamily="34" charset="0"/>
                 <a:ea typeface="Calibri" panose="020F0502020204030204" pitchFamily="34" charset="0"/>
                 <a:cs typeface="Times New Roman" panose="02020603050405020304" pitchFamily="18" charset="0"/>
               </a:rPr>
-              <a:t>Cool programmers write subprograms.  </a:t>
+              <a:t>Los buenos programadores usan subrutinas. </a:t>
             </a:r>
             <a:endParaRPr lang="el-GR" sz="2800" dirty="0">
               <a:effectLst/>
@@ -8817,7 +9332,7 @@
                 <a:latin typeface="Verdana" panose="020B0604030504040204" pitchFamily="34" charset="0"/>
                 <a:ea typeface="Verdana" panose="020B0604030504040204" pitchFamily="34" charset="0"/>
               </a:rPr>
-              <a:t>Thank you!!!</a:t>
+              <a:t>¡Gracias!</a:t>
             </a:r>
             <a:endParaRPr lang="el-GR" sz="5400" dirty="0">
               <a:latin typeface="Verdana" panose="020B0604030504040204" pitchFamily="34" charset="0"/>
@@ -8855,8 +9370,20 @@
           <a:lstStyle/>
           <a:p>
             <a:r>
+              <a:rPr lang="en-US" sz="1600" b="1" dirty="0" err="1"/>
+              <a:t>Fotos</a:t>
+            </a:r>
+            <a:r>
               <a:rPr lang="en-US" sz="1600" b="1" dirty="0"/>
-              <a:t>Photos taken From:</a:t>
+              <a:t> </a:t>
+            </a:r>
+            <a:r>
+              <a:rPr lang="en-US" sz="1600" b="1" dirty="0" err="1"/>
+              <a:t>tomadas</a:t>
+            </a:r>
+            <a:r>
+              <a:rPr lang="en-US" sz="1600" b="1" dirty="0"/>
+              <a:t> de:</a:t>
             </a:r>
           </a:p>
           <a:p>
@@ -8965,7 +9492,11 @@
           <a:p>
             <a:r>
               <a:rPr lang="en-US" dirty="0"/>
-              <a:t>Today you will learn</a:t>
+              <a:t>Hoy </a:t>
+            </a:r>
+            <a:r>
+              <a:rPr lang="en-US" dirty="0" err="1"/>
+              <a:t>aprenderás</a:t>
             </a:r>
             <a:endParaRPr lang="el-GR" dirty="0"/>
           </a:p>
@@ -8987,7 +9518,7 @@
             <p:ph idx="4294967295"/>
             <p:extLst>
               <p:ext uri="{D42A27DB-BD31-4B8C-83A1-F6EECF244321}">
-                <p14:modId xmlns:p14="http://schemas.microsoft.com/office/powerpoint/2010/main" val="1887245996"/>
+                <p14:modId xmlns:p14="http://schemas.microsoft.com/office/powerpoint/2010/main" val="1517760658"/>
               </p:ext>
             </p:extLst>
           </p:nvPr>
@@ -9058,8 +9589,8 @@
         </p:nvSpPr>
         <p:spPr>
           <a:xfrm>
-            <a:off x="671146" y="4677508"/>
-            <a:ext cx="7983416" cy="715107"/>
+            <a:off x="196771" y="4677508"/>
+            <a:ext cx="8613122" cy="715107"/>
           </a:xfrm>
           <a:prstGeom prst="rect">
             <a:avLst/>
@@ -9110,8 +9641,8 @@
         </p:nvSpPr>
         <p:spPr>
           <a:xfrm>
-            <a:off x="668215" y="5392615"/>
-            <a:ext cx="7983416" cy="448059"/>
+            <a:off x="190908" y="5392615"/>
+            <a:ext cx="8616053" cy="448059"/>
           </a:xfrm>
           <a:prstGeom prst="rect">
             <a:avLst/>
@@ -9162,8 +9693,8 @@
         </p:nvSpPr>
         <p:spPr>
           <a:xfrm>
-            <a:off x="668215" y="4229449"/>
-            <a:ext cx="7983416" cy="448059"/>
+            <a:off x="193840" y="4229449"/>
+            <a:ext cx="8616053" cy="448059"/>
           </a:xfrm>
           <a:prstGeom prst="rect">
             <a:avLst/>
@@ -9219,17 +9750,22 @@
         <p:spPr/>
         <p:txBody>
           <a:bodyPr>
-            <a:normAutofit fontScale="90000"/>
+            <a:normAutofit/>
           </a:bodyPr>
           <a:lstStyle/>
           <a:p>
             <a:r>
+              <a:rPr lang="en-US" dirty="0" err="1"/>
+              <a:t>Qué</a:t>
+            </a:r>
+            <a:r>
               <a:rPr lang="en-US" dirty="0"/>
-              <a:t>What is a subroutine.</a:t>
-            </a:r>
-            <a:br>
-              <a:rPr lang="en-US" dirty="0"/>
-            </a:br>
+              <a:t> es una </a:t>
+            </a:r>
+            <a:r>
+              <a:rPr lang="en-US" dirty="0" err="1"/>
+              <a:t>subrutina</a:t>
+            </a:r>
             <a:endParaRPr lang="el-GR" dirty="0"/>
           </a:p>
         </p:txBody>
@@ -9298,8 +9834,8 @@
           <a:lstStyle/>
           <a:p>
             <a:r>
-              <a:rPr lang="en-US" sz="2800" dirty="0"/>
-              <a:t>Subroutine is a sequence of program instructions that performs a specific task, packaged as a unit</a:t>
+              <a:rPr lang="es-ES" sz="2800" dirty="0"/>
+              <a:t>Una subrutina es una secuencia de instrucciones que realizar una tarea concreta y que forman una unidad</a:t>
             </a:r>
             <a:endParaRPr lang="el-GR" sz="2800" dirty="0"/>
           </a:p>
@@ -9319,8 +9855,8 @@
         </p:nvSpPr>
         <p:spPr>
           <a:xfrm>
-            <a:off x="1289539" y="4229449"/>
-            <a:ext cx="7253654" cy="1569660"/>
+            <a:off x="193839" y="4229449"/>
+            <a:ext cx="8613121" cy="1569660"/>
           </a:xfrm>
           <a:prstGeom prst="rect">
             <a:avLst/>
@@ -9335,22 +9871,22 @@
           <a:p>
             <a:pPr algn="r"/>
             <a:r>
-              <a:rPr lang="en-US" sz="2400" dirty="0"/>
-              <a:t>The subprogram should only do one task.</a:t>
+              <a:rPr lang="es-ES" sz="2400" dirty="0"/>
+              <a:t>Debe realiza una única tarea.</a:t>
             </a:r>
           </a:p>
           <a:p>
             <a:pPr algn="r"/>
             <a:r>
-              <a:rPr lang="en-US" sz="2400" dirty="0"/>
-              <a:t>Be relatively small and ideally no larger than a screen so that it can be read easily.</a:t>
+              <a:rPr lang="es-ES" sz="2400" dirty="0"/>
+              <a:t>Debe ser relativamente pequeña e, idealmente, no mayor que lo que cabría en una pantalla para que pueda leerse fácilmente</a:t>
             </a:r>
           </a:p>
           <a:p>
             <a:pPr algn="r"/>
             <a:r>
-              <a:rPr lang="en-US" sz="2400" dirty="0"/>
-              <a:t>Have such name that refers to its function. </a:t>
+              <a:rPr lang="es-ES" sz="2400" dirty="0"/>
+              <a:t>Debe tener un nombre que haga referencia a lo que hace.</a:t>
             </a:r>
           </a:p>
         </p:txBody>
@@ -9637,8 +10173,8 @@
           <a:lstStyle/>
           <a:p>
             <a:r>
-              <a:rPr lang="en-US" dirty="0"/>
-              <a:t>Subprograms</a:t>
+              <a:rPr lang="en-US" dirty="0" err="1"/>
+              <a:t>Subrutinas</a:t>
             </a:r>
             <a:endParaRPr lang="el-GR" dirty="0"/>
           </a:p>
@@ -9646,10 +10182,10 @@
       </p:sp>
       <p:pic>
         <p:nvPicPr>
-          <p:cNvPr id="3" name="Γραφικό 2">
+          <p:cNvPr id="12" name="Γραφικό 411">
             <a:extLst>
               <a:ext uri="{FF2B5EF4-FFF2-40B4-BE49-F238E27FC236}">
-                <a16:creationId xmlns:a16="http://schemas.microsoft.com/office/drawing/2014/main" id="{C69C6F20-13BB-4E03-94C6-354966F7E306}"/>
+                <a16:creationId xmlns:a16="http://schemas.microsoft.com/office/drawing/2014/main" id="{495D6037-B2F2-442D-8BFE-90F86DBB56A9}"/>
               </a:ext>
             </a:extLst>
           </p:cNvPr>
@@ -9661,25 +10197,253 @@
         <p:blipFill>
           <a:blip r:embed="rId3">
             <a:extLst>
-              <a:ext uri="{96DAC541-7B7A-43D3-8B79-37D633B846F1}">
-                <asvg:svgBlip xmlns:asvg="http://schemas.microsoft.com/office/drawing/2016/SVG/main" r:embed="rId4"/>
+              <a:ext uri="{28A0092B-C50C-407E-A947-70E740481C1C}">
+                <a14:useLocalDpi xmlns:a14="http://schemas.microsoft.com/office/drawing/2010/main" val="0"/>
               </a:ext>
             </a:extLst>
           </a:blip>
-          <a:stretch>
-            <a:fillRect/>
-          </a:stretch>
+          <a:srcRect/>
+          <a:stretch/>
         </p:blipFill>
         <p:spPr>
           <a:xfrm>
-            <a:off x="2338387" y="1341560"/>
-            <a:ext cx="7515225" cy="4667250"/>
+            <a:off x="1643605" y="960746"/>
+            <a:ext cx="7986532" cy="4936510"/>
           </a:xfrm>
           <a:prstGeom prst="rect">
             <a:avLst/>
           </a:prstGeom>
+          <a:ln w="3175">
+            <a:solidFill>
+              <a:schemeClr val="tx1"/>
+            </a:solidFill>
+          </a:ln>
         </p:spPr>
       </p:pic>
+      <p:sp>
+        <p:nvSpPr>
+          <p:cNvPr id="8" name="Rectángulo 7">
+            <a:extLst>
+              <a:ext uri="{FF2B5EF4-FFF2-40B4-BE49-F238E27FC236}">
+                <a16:creationId xmlns:a16="http://schemas.microsoft.com/office/drawing/2014/main" id="{3ADFBA57-82E8-4522-BE83-8A303E1D10AE}"/>
+              </a:ext>
+            </a:extLst>
+          </p:cNvPr>
+          <p:cNvSpPr/>
+          <p:nvPr/>
+        </p:nvSpPr>
+        <p:spPr>
+          <a:xfrm>
+            <a:off x="2172931" y="987799"/>
+            <a:ext cx="3734788" cy="1042821"/>
+          </a:xfrm>
+          <a:prstGeom prst="rect">
+            <a:avLst/>
+          </a:prstGeom>
+          <a:noFill/>
+          <a:ln w="28575">
+            <a:solidFill>
+              <a:srgbClr val="FF0000"/>
+            </a:solidFill>
+          </a:ln>
+        </p:spPr>
+        <p:style>
+          <a:lnRef idx="2">
+            <a:schemeClr val="accent1">
+              <a:shade val="50000"/>
+            </a:schemeClr>
+          </a:lnRef>
+          <a:fillRef idx="1">
+            <a:schemeClr val="accent1"/>
+          </a:fillRef>
+          <a:effectRef idx="0">
+            <a:schemeClr val="accent1"/>
+          </a:effectRef>
+          <a:fontRef idx="minor">
+            <a:schemeClr val="lt1"/>
+          </a:fontRef>
+        </p:style>
+        <p:txBody>
+          <a:bodyPr rot="0" spcFirstLastPara="0" vert="horz" wrap="square" lIns="91440" tIns="45720" rIns="91440" bIns="45720" numCol="1" spcCol="0" rtlCol="0" fromWordArt="0" anchor="ctr" anchorCtr="0" forceAA="0" compatLnSpc="1">
+            <a:prstTxWarp prst="textNoShape">
+              <a:avLst/>
+            </a:prstTxWarp>
+            <a:noAutofit/>
+          </a:bodyPr>
+          <a:lstStyle/>
+          <a:p>
+            <a:endParaRPr lang="es-ES"/>
+          </a:p>
+        </p:txBody>
+      </p:sp>
+      <p:sp>
+        <p:nvSpPr>
+          <p:cNvPr id="9" name="Rectángulo 8">
+            <a:extLst>
+              <a:ext uri="{FF2B5EF4-FFF2-40B4-BE49-F238E27FC236}">
+                <a16:creationId xmlns:a16="http://schemas.microsoft.com/office/drawing/2014/main" id="{63719257-0B02-43EF-983F-8E1AAB86DCB3}"/>
+              </a:ext>
+            </a:extLst>
+          </p:cNvPr>
+          <p:cNvSpPr/>
+          <p:nvPr/>
+        </p:nvSpPr>
+        <p:spPr>
+          <a:xfrm>
+            <a:off x="2172931" y="2213162"/>
+            <a:ext cx="3734788" cy="736481"/>
+          </a:xfrm>
+          <a:prstGeom prst="rect">
+            <a:avLst/>
+          </a:prstGeom>
+          <a:noFill/>
+          <a:ln w="28575">
+            <a:solidFill>
+              <a:srgbClr val="FF0000"/>
+            </a:solidFill>
+          </a:ln>
+        </p:spPr>
+        <p:style>
+          <a:lnRef idx="2">
+            <a:schemeClr val="accent1">
+              <a:shade val="50000"/>
+            </a:schemeClr>
+          </a:lnRef>
+          <a:fillRef idx="1">
+            <a:schemeClr val="accent1"/>
+          </a:fillRef>
+          <a:effectRef idx="0">
+            <a:schemeClr val="accent1"/>
+          </a:effectRef>
+          <a:fontRef idx="minor">
+            <a:schemeClr val="lt1"/>
+          </a:fontRef>
+        </p:style>
+        <p:txBody>
+          <a:bodyPr rot="0" spcFirstLastPara="0" vert="horz" wrap="square" lIns="91440" tIns="45720" rIns="91440" bIns="45720" numCol="1" spcCol="0" rtlCol="0" fromWordArt="0" anchor="ctr" anchorCtr="0" forceAA="0" compatLnSpc="1">
+            <a:prstTxWarp prst="textNoShape">
+              <a:avLst/>
+            </a:prstTxWarp>
+            <a:noAutofit/>
+          </a:bodyPr>
+          <a:lstStyle/>
+          <a:p>
+            <a:endParaRPr lang="es-ES"/>
+          </a:p>
+        </p:txBody>
+      </p:sp>
+      <p:sp>
+        <p:nvSpPr>
+          <p:cNvPr id="10" name="Rectángulo 9">
+            <a:extLst>
+              <a:ext uri="{FF2B5EF4-FFF2-40B4-BE49-F238E27FC236}">
+                <a16:creationId xmlns:a16="http://schemas.microsoft.com/office/drawing/2014/main" id="{EE8CE77A-0694-4A70-8160-96D24D4FD6E9}"/>
+              </a:ext>
+            </a:extLst>
+          </p:cNvPr>
+          <p:cNvSpPr/>
+          <p:nvPr/>
+        </p:nvSpPr>
+        <p:spPr>
+          <a:xfrm>
+            <a:off x="2172931" y="3448148"/>
+            <a:ext cx="4915699" cy="1042821"/>
+          </a:xfrm>
+          <a:prstGeom prst="rect">
+            <a:avLst/>
+          </a:prstGeom>
+          <a:noFill/>
+          <a:ln w="28575">
+            <a:solidFill>
+              <a:srgbClr val="FF0000"/>
+            </a:solidFill>
+          </a:ln>
+        </p:spPr>
+        <p:style>
+          <a:lnRef idx="2">
+            <a:schemeClr val="accent1">
+              <a:shade val="50000"/>
+            </a:schemeClr>
+          </a:lnRef>
+          <a:fillRef idx="1">
+            <a:schemeClr val="accent1"/>
+          </a:fillRef>
+          <a:effectRef idx="0">
+            <a:schemeClr val="accent1"/>
+          </a:effectRef>
+          <a:fontRef idx="minor">
+            <a:schemeClr val="lt1"/>
+          </a:fontRef>
+        </p:style>
+        <p:txBody>
+          <a:bodyPr rot="0" spcFirstLastPara="0" vert="horz" wrap="square" lIns="91440" tIns="45720" rIns="91440" bIns="45720" numCol="1" spcCol="0" rtlCol="0" fromWordArt="0" anchor="ctr" anchorCtr="0" forceAA="0" compatLnSpc="1">
+            <a:prstTxWarp prst="textNoShape">
+              <a:avLst/>
+            </a:prstTxWarp>
+            <a:noAutofit/>
+          </a:bodyPr>
+          <a:lstStyle/>
+          <a:p>
+            <a:endParaRPr lang="es-ES"/>
+          </a:p>
+        </p:txBody>
+      </p:sp>
+      <p:sp>
+        <p:nvSpPr>
+          <p:cNvPr id="11" name="Rectángulo 10">
+            <a:extLst>
+              <a:ext uri="{FF2B5EF4-FFF2-40B4-BE49-F238E27FC236}">
+                <a16:creationId xmlns:a16="http://schemas.microsoft.com/office/drawing/2014/main" id="{35FCEC1F-D4EE-4813-9909-AEEFCE34F631}"/>
+              </a:ext>
+            </a:extLst>
+          </p:cNvPr>
+          <p:cNvSpPr/>
+          <p:nvPr/>
+        </p:nvSpPr>
+        <p:spPr>
+          <a:xfrm>
+            <a:off x="2172931" y="5079823"/>
+            <a:ext cx="4915699" cy="817432"/>
+          </a:xfrm>
+          <a:prstGeom prst="rect">
+            <a:avLst/>
+          </a:prstGeom>
+          <a:noFill/>
+          <a:ln w="28575">
+            <a:solidFill>
+              <a:srgbClr val="FF0000"/>
+            </a:solidFill>
+          </a:ln>
+        </p:spPr>
+        <p:style>
+          <a:lnRef idx="2">
+            <a:schemeClr val="accent1">
+              <a:shade val="50000"/>
+            </a:schemeClr>
+          </a:lnRef>
+          <a:fillRef idx="1">
+            <a:schemeClr val="accent1"/>
+          </a:fillRef>
+          <a:effectRef idx="0">
+            <a:schemeClr val="accent1"/>
+          </a:effectRef>
+          <a:fontRef idx="minor">
+            <a:schemeClr val="lt1"/>
+          </a:fontRef>
+        </p:style>
+        <p:txBody>
+          <a:bodyPr rot="0" spcFirstLastPara="0" vert="horz" wrap="square" lIns="91440" tIns="45720" rIns="91440" bIns="45720" numCol="1" spcCol="0" rtlCol="0" fromWordArt="0" anchor="ctr" anchorCtr="0" forceAA="0" compatLnSpc="1">
+            <a:prstTxWarp prst="textNoShape">
+              <a:avLst/>
+            </a:prstTxWarp>
+            <a:noAutofit/>
+          </a:bodyPr>
+          <a:lstStyle/>
+          <a:p>
+            <a:endParaRPr lang="es-ES"/>
+          </a:p>
+        </p:txBody>
+      </p:sp>
     </p:spTree>
     <p:extLst>
       <p:ext uri="{BB962C8B-B14F-4D97-AF65-F5344CB8AC3E}">
@@ -9744,8 +10508,12 @@
           <a:lstStyle/>
           <a:p>
             <a:r>
+              <a:rPr lang="en-US" dirty="0" err="1"/>
+              <a:t>Ejemplo</a:t>
+            </a:r>
+            <a:r>
               <a:rPr lang="en-US" dirty="0"/>
-              <a:t>Example 1</a:t>
+              <a:t> 1</a:t>
             </a:r>
             <a:endParaRPr lang="el-GR" dirty="0"/>
           </a:p>
@@ -9753,14 +10521,16 @@
       </p:sp>
       <p:pic>
         <p:nvPicPr>
-          <p:cNvPr id="4" name="Γραφικό 27">
+          <p:cNvPr id="17" name="Γραφικό 414">
             <a:extLst>
               <a:ext uri="{FF2B5EF4-FFF2-40B4-BE49-F238E27FC236}">
-                <a16:creationId xmlns:a16="http://schemas.microsoft.com/office/drawing/2014/main" id="{6973D6B1-6049-479F-95FA-65FA6E41865B}"/>
+                <a16:creationId xmlns:a16="http://schemas.microsoft.com/office/drawing/2014/main" id="{BF0D64B7-7EA7-4681-ABFD-F0F52D547CE3}"/>
               </a:ext>
             </a:extLst>
           </p:cNvPr>
-          <p:cNvPicPr/>
+          <p:cNvPicPr>
+            <a:picLocks noChangeAspect="1"/>
+          </p:cNvPicPr>
           <p:nvPr/>
         </p:nvPicPr>
         <p:blipFill>
@@ -9769,25 +10539,170 @@
               <a:ext uri="{28A0092B-C50C-407E-A947-70E740481C1C}">
                 <a14:useLocalDpi xmlns:a14="http://schemas.microsoft.com/office/drawing/2010/main" val="0"/>
               </a:ext>
-              <a:ext uri="{96DAC541-7B7A-43D3-8B79-37D633B846F1}">
-                <asvg:svgBlip xmlns:asvg="http://schemas.microsoft.com/office/drawing/2016/SVG/main" r:embed="rId4"/>
-              </a:ext>
             </a:extLst>
           </a:blip>
-          <a:stretch>
-            <a:fillRect/>
-          </a:stretch>
+          <a:srcRect/>
+          <a:stretch/>
         </p:blipFill>
         <p:spPr>
           <a:xfrm>
-            <a:off x="1518139" y="1324707"/>
-            <a:ext cx="8985738" cy="4208585"/>
+            <a:off x="2408527" y="1203189"/>
+            <a:ext cx="6121022" cy="4477774"/>
           </a:xfrm>
           <a:prstGeom prst="rect">
             <a:avLst/>
           </a:prstGeom>
+          <a:ln>
+            <a:solidFill>
+              <a:schemeClr val="tx1"/>
+            </a:solidFill>
+          </a:ln>
         </p:spPr>
       </p:pic>
+      <p:sp>
+        <p:nvSpPr>
+          <p:cNvPr id="14" name="Rectángulo 13">
+            <a:extLst>
+              <a:ext uri="{FF2B5EF4-FFF2-40B4-BE49-F238E27FC236}">
+                <a16:creationId xmlns:a16="http://schemas.microsoft.com/office/drawing/2014/main" id="{9C211B2D-3852-4D94-B37C-81216D0EED11}"/>
+              </a:ext>
+            </a:extLst>
+          </p:cNvPr>
+          <p:cNvSpPr/>
+          <p:nvPr/>
+        </p:nvSpPr>
+        <p:spPr>
+          <a:xfrm>
+            <a:off x="3099380" y="3038272"/>
+            <a:ext cx="3818836" cy="390728"/>
+          </a:xfrm>
+          <a:prstGeom prst="rect">
+            <a:avLst/>
+          </a:prstGeom>
+          <a:noFill/>
+          <a:ln w="38100">
+            <a:solidFill>
+              <a:srgbClr val="FF0000"/>
+            </a:solidFill>
+          </a:ln>
+        </p:spPr>
+        <p:style>
+          <a:lnRef idx="2">
+            <a:schemeClr val="accent1">
+              <a:shade val="50000"/>
+            </a:schemeClr>
+          </a:lnRef>
+          <a:fillRef idx="1">
+            <a:schemeClr val="accent1"/>
+          </a:fillRef>
+          <a:effectRef idx="0">
+            <a:schemeClr val="accent1"/>
+          </a:effectRef>
+          <a:fontRef idx="minor">
+            <a:schemeClr val="lt1"/>
+          </a:fontRef>
+        </p:style>
+        <p:txBody>
+          <a:bodyPr rot="0" spcFirstLastPara="0" vert="horz" wrap="square" lIns="91440" tIns="45720" rIns="91440" bIns="45720" numCol="1" spcCol="0" rtlCol="0" fromWordArt="0" anchor="ctr" anchorCtr="0" forceAA="0" compatLnSpc="1">
+            <a:prstTxWarp prst="textNoShape">
+              <a:avLst/>
+            </a:prstTxWarp>
+            <a:noAutofit/>
+          </a:bodyPr>
+          <a:lstStyle/>
+          <a:p>
+            <a:endParaRPr lang="es-ES"/>
+          </a:p>
+        </p:txBody>
+      </p:sp>
+      <p:cxnSp>
+        <p:nvCxnSpPr>
+          <p:cNvPr id="15" name="Conector recto de flecha 14">
+            <a:extLst>
+              <a:ext uri="{FF2B5EF4-FFF2-40B4-BE49-F238E27FC236}">
+                <a16:creationId xmlns:a16="http://schemas.microsoft.com/office/drawing/2014/main" id="{15BA1FB6-3CCB-410A-82B3-6B33BBF814B0}"/>
+              </a:ext>
+            </a:extLst>
+          </p:cNvPr>
+          <p:cNvCxnSpPr>
+            <a:cxnSpLocks/>
+          </p:cNvCxnSpPr>
+          <p:nvPr/>
+        </p:nvCxnSpPr>
+        <p:spPr>
+          <a:xfrm>
+            <a:off x="5201470" y="3286483"/>
+            <a:ext cx="750904" cy="1397292"/>
+          </a:xfrm>
+          <a:prstGeom prst="straightConnector1">
+            <a:avLst/>
+          </a:prstGeom>
+          <a:ln w="28575">
+            <a:solidFill>
+              <a:srgbClr val="FF0000"/>
+            </a:solidFill>
+            <a:tailEnd type="triangle"/>
+          </a:ln>
+        </p:spPr>
+        <p:style>
+          <a:lnRef idx="1">
+            <a:schemeClr val="accent1"/>
+          </a:lnRef>
+          <a:fillRef idx="0">
+            <a:schemeClr val="accent1"/>
+          </a:fillRef>
+          <a:effectRef idx="0">
+            <a:schemeClr val="accent1"/>
+          </a:effectRef>
+          <a:fontRef idx="minor">
+            <a:schemeClr val="tx1"/>
+          </a:fontRef>
+        </p:style>
+      </p:cxnSp>
+      <p:cxnSp>
+        <p:nvCxnSpPr>
+          <p:cNvPr id="16" name="Conector recto de flecha 15">
+            <a:extLst>
+              <a:ext uri="{FF2B5EF4-FFF2-40B4-BE49-F238E27FC236}">
+                <a16:creationId xmlns:a16="http://schemas.microsoft.com/office/drawing/2014/main" id="{D7AD5BE6-013D-4CCB-B052-D7CAE2C38216}"/>
+              </a:ext>
+            </a:extLst>
+          </p:cNvPr>
+          <p:cNvCxnSpPr>
+            <a:cxnSpLocks/>
+          </p:cNvCxnSpPr>
+          <p:nvPr/>
+        </p:nvCxnSpPr>
+        <p:spPr>
+          <a:xfrm>
+            <a:off x="5907719" y="3310635"/>
+            <a:ext cx="1168966" cy="1321720"/>
+          </a:xfrm>
+          <a:prstGeom prst="straightConnector1">
+            <a:avLst/>
+          </a:prstGeom>
+          <a:ln w="28575">
+            <a:solidFill>
+              <a:srgbClr val="FF0000"/>
+            </a:solidFill>
+            <a:tailEnd type="triangle"/>
+          </a:ln>
+        </p:spPr>
+        <p:style>
+          <a:lnRef idx="1">
+            <a:schemeClr val="accent1"/>
+          </a:lnRef>
+          <a:fillRef idx="0">
+            <a:schemeClr val="accent1"/>
+          </a:fillRef>
+          <a:effectRef idx="0">
+            <a:schemeClr val="accent1"/>
+          </a:effectRef>
+          <a:fontRef idx="minor">
+            <a:schemeClr val="tx1"/>
+          </a:fontRef>
+        </p:style>
+      </p:cxnSp>
     </p:spTree>
     <p:extLst>
       <p:ext uri="{BB962C8B-B14F-4D97-AF65-F5344CB8AC3E}">
@@ -10013,8 +10928,16 @@
           <a:lstStyle/>
           <a:p>
             <a:r>
+              <a:rPr lang="en-US" dirty="0" err="1"/>
+              <a:t>Crear</a:t>
+            </a:r>
+            <a:r>
               <a:rPr lang="en-US" dirty="0"/>
-              <a:t>Create a subroutine</a:t>
+              <a:t> una </a:t>
+            </a:r>
+            <a:r>
+              <a:rPr lang="en-US" dirty="0" err="1"/>
+              <a:t>subrutina</a:t>
             </a:r>
             <a:endParaRPr lang="el-GR" dirty="0"/>
           </a:p>
@@ -10035,7 +10958,7 @@
         <p:spPr>
           <a:xfrm>
             <a:off x="461638" y="1230924"/>
-            <a:ext cx="9174731" cy="2246769"/>
+            <a:ext cx="9174731" cy="1815882"/>
           </a:xfrm>
           <a:prstGeom prst="rect">
             <a:avLst/>
@@ -10049,37 +10972,126 @@
           <a:lstStyle/>
           <a:p>
             <a:r>
+              <a:rPr lang="en-US" sz="2800" dirty="0" err="1"/>
+              <a:t>Siempre</a:t>
+            </a:r>
+            <a:r>
               <a:rPr lang="en-US" sz="2800" dirty="0"/>
-              <a:t>It always begins with Private  or Public statement </a:t>
-            </a:r>
-          </a:p>
-          <a:p>
+              <a:t> </a:t>
+            </a:r>
+            <a:r>
+              <a:rPr lang="en-US" sz="2800" dirty="0" err="1"/>
+              <a:t>comienza</a:t>
+            </a:r>
             <a:r>
               <a:rPr lang="en-US" sz="2800" dirty="0"/>
-              <a:t>Then continues with Sub statement which means subroutine</a:t>
-            </a:r>
-          </a:p>
-          <a:p>
+              <a:t> por las palabras Private o Public</a:t>
+            </a:r>
+          </a:p>
+          <a:p>
+            <a:r>
+              <a:rPr lang="en-US" sz="2800" dirty="0" err="1"/>
+              <a:t>Después</a:t>
+            </a:r>
             <a:r>
               <a:rPr lang="en-US" sz="2800" dirty="0"/>
-              <a:t>In parentheses, the names of the variables that will receive the data from the call point are indicated. </a:t>
-            </a:r>
-          </a:p>
-          <a:p>
+              <a:t> </a:t>
+            </a:r>
+            <a:r>
+              <a:rPr lang="en-US" sz="2800" dirty="0" err="1"/>
+              <a:t>sigue</a:t>
+            </a:r>
+            <a:r>
+              <a:rPr lang="en-US" sz="2800" dirty="0"/>
+              <a:t> con la palabra Sub que </a:t>
+            </a:r>
+            <a:r>
+              <a:rPr lang="en-US" sz="2800" dirty="0" err="1"/>
+              <a:t>significa</a:t>
+            </a:r>
+            <a:r>
+              <a:rPr lang="en-US" sz="2800" dirty="0"/>
+              <a:t> </a:t>
+            </a:r>
+            <a:r>
+              <a:rPr lang="en-US" sz="2800" dirty="0" err="1"/>
+              <a:t>subrutina</a:t>
+            </a:r>
+            <a:endParaRPr lang="en-US" sz="2800" dirty="0"/>
+          </a:p>
+          <a:p>
+            <a:r>
+              <a:rPr lang="en-US" sz="2800" dirty="0"/>
+              <a:t>Entre </a:t>
+            </a:r>
+            <a:r>
+              <a:rPr lang="en-US" sz="2800" dirty="0" err="1"/>
+              <a:t>paréntesis</a:t>
+            </a:r>
+            <a:r>
+              <a:rPr lang="en-US" sz="2800" dirty="0"/>
+              <a:t>, se </a:t>
+            </a:r>
+            <a:r>
+              <a:rPr lang="en-US" sz="2800" dirty="0" err="1"/>
+              <a:t>indican</a:t>
+            </a:r>
+            <a:r>
+              <a:rPr lang="en-US" sz="2800" dirty="0"/>
+              <a:t> los </a:t>
+            </a:r>
+            <a:r>
+              <a:rPr lang="en-US" sz="2800" dirty="0" err="1"/>
+              <a:t>nombres</a:t>
+            </a:r>
+            <a:r>
+              <a:rPr lang="en-US" sz="2800" dirty="0"/>
+              <a:t> de las variables que </a:t>
+            </a:r>
+            <a:r>
+              <a:rPr lang="en-US" sz="2800" dirty="0" err="1"/>
+              <a:t>recibirán</a:t>
+            </a:r>
+            <a:r>
+              <a:rPr lang="en-US" sz="2800" dirty="0"/>
+              <a:t> los </a:t>
+            </a:r>
+            <a:r>
+              <a:rPr lang="en-US" sz="2800" dirty="0" err="1"/>
+              <a:t>datos</a:t>
+            </a:r>
+            <a:r>
+              <a:rPr lang="en-US" sz="2800" dirty="0"/>
+              <a:t> </a:t>
+            </a:r>
+            <a:r>
+              <a:rPr lang="en-US" sz="2800" dirty="0" err="1"/>
+              <a:t>desde</a:t>
+            </a:r>
+            <a:r>
+              <a:rPr lang="en-US" sz="2800" dirty="0"/>
+              <a:t> el punto de </a:t>
+            </a:r>
+            <a:r>
+              <a:rPr lang="en-US" sz="2800" dirty="0" err="1"/>
+              <a:t>invocación</a:t>
+            </a:r>
             <a:endParaRPr lang="en-US" sz="2800" dirty="0"/>
           </a:p>
         </p:txBody>
       </p:sp>
       <p:pic>
         <p:nvPicPr>
-          <p:cNvPr id="12" name="Γραφικό 27">
+          <p:cNvPr id="8" name="Γραφικό 414">
             <a:extLst>
               <a:ext uri="{FF2B5EF4-FFF2-40B4-BE49-F238E27FC236}">
-                <a16:creationId xmlns:a16="http://schemas.microsoft.com/office/drawing/2014/main" id="{9AF1C583-A920-4FC1-A922-47B97F92BD02}"/>
+                <a16:creationId xmlns:a16="http://schemas.microsoft.com/office/drawing/2014/main" id="{5726C2DD-4FE2-462B-ADB5-967B5CB4B662}"/>
               </a:ext>
             </a:extLst>
           </p:cNvPr>
-          <p:cNvPicPr/>
+          <p:cNvPicPr>
+            <a:picLocks noChangeAspect="1"/>
+          </p:cNvPicPr>
           <p:nvPr/>
         </p:nvPicPr>
         <p:blipFill rotWithShape="1">
@@ -10088,24 +11100,170 @@
               <a:ext uri="{28A0092B-C50C-407E-A947-70E740481C1C}">
                 <a14:useLocalDpi xmlns:a14="http://schemas.microsoft.com/office/drawing/2010/main" val="0"/>
               </a:ext>
-              <a:ext uri="{96DAC541-7B7A-43D3-8B79-37D633B846F1}">
-                <asvg:svgBlip xmlns:asvg="http://schemas.microsoft.com/office/drawing/2016/SVG/main" r:embed="rId4"/>
-              </a:ext>
             </a:extLst>
           </a:blip>
-          <a:srcRect l="3376" t="41671" r="13438" b="7890"/>
+          <a:srcRect t="39972" b="11293"/>
           <a:stretch/>
         </p:blipFill>
         <p:spPr>
           <a:xfrm>
-            <a:off x="2954215" y="3429000"/>
-            <a:ext cx="8170985" cy="2596662"/>
+            <a:off x="2697894" y="3474246"/>
+            <a:ext cx="6121022" cy="2182276"/>
           </a:xfrm>
           <a:prstGeom prst="rect">
             <a:avLst/>
           </a:prstGeom>
+          <a:ln>
+            <a:solidFill>
+              <a:schemeClr val="tx1"/>
+            </a:solidFill>
+          </a:ln>
         </p:spPr>
       </p:pic>
+      <p:sp>
+        <p:nvSpPr>
+          <p:cNvPr id="9" name="Rectángulo 8">
+            <a:extLst>
+              <a:ext uri="{FF2B5EF4-FFF2-40B4-BE49-F238E27FC236}">
+                <a16:creationId xmlns:a16="http://schemas.microsoft.com/office/drawing/2014/main" id="{2BD2C0ED-6076-4DE9-9319-3C9FE233091E}"/>
+              </a:ext>
+            </a:extLst>
+          </p:cNvPr>
+          <p:cNvSpPr/>
+          <p:nvPr/>
+        </p:nvSpPr>
+        <p:spPr>
+          <a:xfrm>
+            <a:off x="3292052" y="3488714"/>
+            <a:ext cx="3818836" cy="390728"/>
+          </a:xfrm>
+          <a:prstGeom prst="rect">
+            <a:avLst/>
+          </a:prstGeom>
+          <a:noFill/>
+          <a:ln w="38100">
+            <a:solidFill>
+              <a:srgbClr val="FF0000"/>
+            </a:solidFill>
+          </a:ln>
+        </p:spPr>
+        <p:style>
+          <a:lnRef idx="2">
+            <a:schemeClr val="accent1">
+              <a:shade val="50000"/>
+            </a:schemeClr>
+          </a:lnRef>
+          <a:fillRef idx="1">
+            <a:schemeClr val="accent1"/>
+          </a:fillRef>
+          <a:effectRef idx="0">
+            <a:schemeClr val="accent1"/>
+          </a:effectRef>
+          <a:fontRef idx="minor">
+            <a:schemeClr val="lt1"/>
+          </a:fontRef>
+        </p:style>
+        <p:txBody>
+          <a:bodyPr rot="0" spcFirstLastPara="0" vert="horz" wrap="square" lIns="91440" tIns="45720" rIns="91440" bIns="45720" numCol="1" spcCol="0" rtlCol="0" fromWordArt="0" anchor="ctr" anchorCtr="0" forceAA="0" compatLnSpc="1">
+            <a:prstTxWarp prst="textNoShape">
+              <a:avLst/>
+            </a:prstTxWarp>
+            <a:noAutofit/>
+          </a:bodyPr>
+          <a:lstStyle/>
+          <a:p>
+            <a:endParaRPr lang="es-ES"/>
+          </a:p>
+        </p:txBody>
+      </p:sp>
+      <p:cxnSp>
+        <p:nvCxnSpPr>
+          <p:cNvPr id="10" name="Conector recto de flecha 9">
+            <a:extLst>
+              <a:ext uri="{FF2B5EF4-FFF2-40B4-BE49-F238E27FC236}">
+                <a16:creationId xmlns:a16="http://schemas.microsoft.com/office/drawing/2014/main" id="{A38AAC2B-3AB5-41D8-84D0-277308335884}"/>
+              </a:ext>
+            </a:extLst>
+          </p:cNvPr>
+          <p:cNvCxnSpPr>
+            <a:cxnSpLocks/>
+          </p:cNvCxnSpPr>
+          <p:nvPr/>
+        </p:nvCxnSpPr>
+        <p:spPr>
+          <a:xfrm>
+            <a:off x="5498064" y="3778009"/>
+            <a:ext cx="750904" cy="1397292"/>
+          </a:xfrm>
+          <a:prstGeom prst="straightConnector1">
+            <a:avLst/>
+          </a:prstGeom>
+          <a:ln w="28575">
+            <a:solidFill>
+              <a:srgbClr val="FF0000"/>
+            </a:solidFill>
+            <a:tailEnd type="triangle"/>
+          </a:ln>
+        </p:spPr>
+        <p:style>
+          <a:lnRef idx="1">
+            <a:schemeClr val="accent1"/>
+          </a:lnRef>
+          <a:fillRef idx="0">
+            <a:schemeClr val="accent1"/>
+          </a:fillRef>
+          <a:effectRef idx="0">
+            <a:schemeClr val="accent1"/>
+          </a:effectRef>
+          <a:fontRef idx="minor">
+            <a:schemeClr val="tx1"/>
+          </a:fontRef>
+        </p:style>
+      </p:cxnSp>
+      <p:cxnSp>
+        <p:nvCxnSpPr>
+          <p:cNvPr id="16" name="Conector recto de flecha 15">
+            <a:extLst>
+              <a:ext uri="{FF2B5EF4-FFF2-40B4-BE49-F238E27FC236}">
+                <a16:creationId xmlns:a16="http://schemas.microsoft.com/office/drawing/2014/main" id="{20D19E73-423B-40FC-95EA-6E168843708B}"/>
+              </a:ext>
+            </a:extLst>
+          </p:cNvPr>
+          <p:cNvCxnSpPr>
+            <a:cxnSpLocks/>
+          </p:cNvCxnSpPr>
+          <p:nvPr/>
+        </p:nvCxnSpPr>
+        <p:spPr>
+          <a:xfrm>
+            <a:off x="6211453" y="3815795"/>
+            <a:ext cx="1168966" cy="1321720"/>
+          </a:xfrm>
+          <a:prstGeom prst="straightConnector1">
+            <a:avLst/>
+          </a:prstGeom>
+          <a:ln w="28575">
+            <a:solidFill>
+              <a:srgbClr val="FF0000"/>
+            </a:solidFill>
+            <a:tailEnd type="triangle"/>
+          </a:ln>
+        </p:spPr>
+        <p:style>
+          <a:lnRef idx="1">
+            <a:schemeClr val="accent1"/>
+          </a:lnRef>
+          <a:fillRef idx="0">
+            <a:schemeClr val="accent1"/>
+          </a:fillRef>
+          <a:effectRef idx="0">
+            <a:schemeClr val="accent1"/>
+          </a:effectRef>
+          <a:fontRef idx="minor">
+            <a:schemeClr val="tx1"/>
+          </a:fontRef>
+        </p:style>
+      </p:cxnSp>
     </p:spTree>
     <p:extLst>
       <p:ext uri="{BB962C8B-B14F-4D97-AF65-F5344CB8AC3E}">
@@ -10366,6 +11524,44 @@
           <a:chExt cx="0" cy="0"/>
         </a:xfrm>
       </p:grpSpPr>
+      <p:pic>
+        <p:nvPicPr>
+          <p:cNvPr id="11" name="Εικόνα 425">
+            <a:extLst>
+              <a:ext uri="{FF2B5EF4-FFF2-40B4-BE49-F238E27FC236}">
+                <a16:creationId xmlns:a16="http://schemas.microsoft.com/office/drawing/2014/main" id="{A440D806-CD99-4043-A459-496893D91B50}"/>
+              </a:ext>
+            </a:extLst>
+          </p:cNvPr>
+          <p:cNvPicPr/>
+          <p:nvPr/>
+        </p:nvPicPr>
+        <p:blipFill rotWithShape="1">
+          <a:blip r:embed="rId3">
+            <a:extLst>
+              <a:ext uri="{28A0092B-C50C-407E-A947-70E740481C1C}">
+                <a14:useLocalDpi xmlns:a14="http://schemas.microsoft.com/office/drawing/2010/main" val="0"/>
+              </a:ext>
+            </a:extLst>
+          </a:blip>
+          <a:srcRect l="-1" r="15741"/>
+          <a:stretch/>
+        </p:blipFill>
+        <p:spPr>
+          <a:xfrm>
+            <a:off x="378006" y="1207330"/>
+            <a:ext cx="4528476" cy="4857804"/>
+          </a:xfrm>
+          <a:prstGeom prst="rect">
+            <a:avLst/>
+          </a:prstGeom>
+          <a:ln w="3175">
+            <a:solidFill>
+              <a:schemeClr val="tx1"/>
+            </a:solidFill>
+          </a:ln>
+        </p:spPr>
+      </p:pic>
       <p:sp>
         <p:nvSpPr>
           <p:cNvPr id="9" name="Ορθογώνιο 8">
@@ -10380,7 +11576,7 @@
         </p:nvSpPr>
         <p:spPr>
           <a:xfrm>
-            <a:off x="8198418" y="2982487"/>
+            <a:off x="8198418" y="3310359"/>
             <a:ext cx="3842940" cy="1780776"/>
           </a:xfrm>
           <a:prstGeom prst="rect">
@@ -10433,7 +11629,7 @@
         <p:spPr>
           <a:xfrm>
             <a:off x="8198418" y="1201711"/>
-            <a:ext cx="3842940" cy="1447704"/>
+            <a:ext cx="3842940" cy="1780776"/>
           </a:xfrm>
           <a:prstGeom prst="rect">
             <a:avLst/>
@@ -10492,79 +11688,13 @@
           <a:lstStyle/>
           <a:p>
             <a:r>
-              <a:rPr lang="en-US" dirty="0"/>
-              <a:t>The memory of the subprogram in B4X</a:t>
+              <a:rPr lang="es-ES" dirty="0"/>
+              <a:t>La memoria de una subrutina en B4X</a:t>
             </a:r>
             <a:endParaRPr lang="el-GR" dirty="0"/>
           </a:p>
         </p:txBody>
       </p:sp>
-      <p:pic>
-        <p:nvPicPr>
-          <p:cNvPr id="4" name="Γραφικό 3">
-            <a:extLst>
-              <a:ext uri="{FF2B5EF4-FFF2-40B4-BE49-F238E27FC236}">
-                <a16:creationId xmlns:a16="http://schemas.microsoft.com/office/drawing/2014/main" id="{714FC951-37E1-4E18-8E7A-4321AD41F72A}"/>
-              </a:ext>
-            </a:extLst>
-          </p:cNvPr>
-          <p:cNvPicPr>
-            <a:picLocks noChangeAspect="1"/>
-          </p:cNvPicPr>
-          <p:nvPr/>
-        </p:nvPicPr>
-        <p:blipFill>
-          <a:blip r:embed="rId3">
-            <a:extLst>
-              <a:ext uri="{96DAC541-7B7A-43D3-8B79-37D633B846F1}">
-                <asvg:svgBlip xmlns:asvg="http://schemas.microsoft.com/office/drawing/2016/SVG/main" r:embed="rId4"/>
-              </a:ext>
-            </a:extLst>
-          </a:blip>
-          <a:stretch>
-            <a:fillRect/>
-          </a:stretch>
-        </p:blipFill>
-        <p:spPr>
-          <a:xfrm>
-            <a:off x="4975241" y="1105593"/>
-            <a:ext cx="3073590" cy="3561551"/>
-          </a:xfrm>
-          <a:prstGeom prst="rect">
-            <a:avLst/>
-          </a:prstGeom>
-        </p:spPr>
-      </p:pic>
-      <p:pic>
-        <p:nvPicPr>
-          <p:cNvPr id="6" name="Εικόνα 5">
-            <a:extLst>
-              <a:ext uri="{FF2B5EF4-FFF2-40B4-BE49-F238E27FC236}">
-                <a16:creationId xmlns:a16="http://schemas.microsoft.com/office/drawing/2014/main" id="{ECBD4852-108F-4A02-84CD-9E854AF04A7D}"/>
-              </a:ext>
-            </a:extLst>
-          </p:cNvPr>
-          <p:cNvPicPr>
-            <a:picLocks noChangeAspect="1"/>
-          </p:cNvPicPr>
-          <p:nvPr/>
-        </p:nvPicPr>
-        <p:blipFill>
-          <a:blip r:embed="rId5"/>
-          <a:stretch>
-            <a:fillRect/>
-          </a:stretch>
-        </p:blipFill>
-        <p:spPr>
-          <a:xfrm>
-            <a:off x="150642" y="1108363"/>
-            <a:ext cx="4694898" cy="4940745"/>
-          </a:xfrm>
-          <a:prstGeom prst="rect">
-            <a:avLst/>
-          </a:prstGeom>
-        </p:spPr>
-      </p:pic>
       <p:sp>
         <p:nvSpPr>
           <p:cNvPr id="7" name="TextBox 6">
@@ -10580,7 +11710,7 @@
         <p:spPr>
           <a:xfrm>
             <a:off x="8198418" y="1201711"/>
-            <a:ext cx="3659474" cy="3561552"/>
+            <a:ext cx="3659474" cy="3890873"/>
           </a:xfrm>
           <a:prstGeom prst="rect">
             <a:avLst/>
@@ -10602,16 +11732,25 @@
               </a:spcAft>
             </a:pPr>
             <a:r>
-              <a:rPr lang="el-GR" sz="2000" dirty="0" err="1">
+              <a:rPr lang="es-ES" sz="2000" dirty="0">
                 <a:effectLst/>
                 <a:latin typeface="Verdana" panose="020B0604030504040204" pitchFamily="34" charset="0"/>
                 <a:ea typeface="Calibri" panose="020F0502020204030204" pitchFamily="34" charset="0"/>
                 <a:cs typeface="Times New Roman" panose="02020603050405020304" pitchFamily="18" charset="0"/>
               </a:rPr>
-              <a:t>Variables</a:t>
-            </a:r>
-            <a:r>
-              <a:rPr lang="el-GR" sz="2000" dirty="0">
+              <a:t>Las variables declaradas dentro de </a:t>
+            </a:r>
+            <a:r>
+              <a:rPr lang="es-ES" sz="2000" b="1" dirty="0" err="1">
+                <a:effectLst/>
+                <a:latin typeface="Verdana" panose="020B0604030504040204" pitchFamily="34" charset="0"/>
+                <a:ea typeface="Calibri" panose="020F0502020204030204" pitchFamily="34" charset="0"/>
+                <a:cs typeface="Times New Roman" panose="02020603050405020304" pitchFamily="18" charset="0"/>
+              </a:rPr>
+              <a:t>Class_Globals</a:t>
+            </a:r>
+            <a:r>
+              <a:rPr lang="es-ES" sz="2000" b="1" dirty="0">
                 <a:effectLst/>
                 <a:latin typeface="Verdana" panose="020B0604030504040204" pitchFamily="34" charset="0"/>
                 <a:ea typeface="Calibri" panose="020F0502020204030204" pitchFamily="34" charset="0"/>
@@ -10620,160 +11759,25 @@
               <a:t> </a:t>
             </a:r>
             <a:r>
-              <a:rPr lang="el-GR" sz="2000" dirty="0" err="1">
+              <a:rPr lang="es-ES" sz="2000" dirty="0">
                 <a:effectLst/>
                 <a:latin typeface="Verdana" panose="020B0604030504040204" pitchFamily="34" charset="0"/>
                 <a:ea typeface="Calibri" panose="020F0502020204030204" pitchFamily="34" charset="0"/>
                 <a:cs typeface="Times New Roman" panose="02020603050405020304" pitchFamily="18" charset="0"/>
               </a:rPr>
-              <a:t>declared</a:t>
-            </a:r>
-            <a:r>
-              <a:rPr lang="el-GR" sz="2000" dirty="0">
+              <a:t>se pueden ver desde cualquier subrutina y se llaman </a:t>
+            </a:r>
+            <a:r>
+              <a:rPr lang="es-ES" sz="2000" b="1" dirty="0">
                 <a:effectLst/>
                 <a:latin typeface="Verdana" panose="020B0604030504040204" pitchFamily="34" charset="0"/>
                 <a:ea typeface="Calibri" panose="020F0502020204030204" pitchFamily="34" charset="0"/>
                 <a:cs typeface="Times New Roman" panose="02020603050405020304" pitchFamily="18" charset="0"/>
               </a:rPr>
-              <a:t> </a:t>
-            </a:r>
-            <a:r>
-              <a:rPr lang="el-GR" sz="2000" dirty="0" err="1">
-                <a:effectLst/>
-                <a:latin typeface="Verdana" panose="020B0604030504040204" pitchFamily="34" charset="0"/>
-                <a:ea typeface="Calibri" panose="020F0502020204030204" pitchFamily="34" charset="0"/>
-                <a:cs typeface="Times New Roman" panose="02020603050405020304" pitchFamily="18" charset="0"/>
-              </a:rPr>
-              <a:t>within</a:t>
-            </a:r>
-            <a:r>
-              <a:rPr lang="el-GR" sz="2000" dirty="0">
-                <a:effectLst/>
-                <a:latin typeface="Verdana" panose="020B0604030504040204" pitchFamily="34" charset="0"/>
-                <a:ea typeface="Calibri" panose="020F0502020204030204" pitchFamily="34" charset="0"/>
-                <a:cs typeface="Times New Roman" panose="02020603050405020304" pitchFamily="18" charset="0"/>
-              </a:rPr>
-              <a:t> Class_Globals </a:t>
-            </a:r>
-            <a:r>
-              <a:rPr lang="el-GR" sz="2000" dirty="0" err="1">
-                <a:effectLst/>
-                <a:latin typeface="Verdana" panose="020B0604030504040204" pitchFamily="34" charset="0"/>
-                <a:ea typeface="Calibri" panose="020F0502020204030204" pitchFamily="34" charset="0"/>
-                <a:cs typeface="Times New Roman" panose="02020603050405020304" pitchFamily="18" charset="0"/>
-              </a:rPr>
-              <a:t>are</a:t>
-            </a:r>
-            <a:r>
-              <a:rPr lang="el-GR" sz="2000" dirty="0">
-                <a:effectLst/>
-                <a:latin typeface="Verdana" panose="020B0604030504040204" pitchFamily="34" charset="0"/>
-                <a:ea typeface="Calibri" panose="020F0502020204030204" pitchFamily="34" charset="0"/>
-                <a:cs typeface="Times New Roman" panose="02020603050405020304" pitchFamily="18" charset="0"/>
-              </a:rPr>
-              <a:t> </a:t>
-            </a:r>
-            <a:r>
-              <a:rPr lang="el-GR" sz="2000" dirty="0" err="1">
-                <a:effectLst/>
-                <a:latin typeface="Verdana" panose="020B0604030504040204" pitchFamily="34" charset="0"/>
-                <a:ea typeface="Calibri" panose="020F0502020204030204" pitchFamily="34" charset="0"/>
-                <a:cs typeface="Times New Roman" panose="02020603050405020304" pitchFamily="18" charset="0"/>
-              </a:rPr>
-              <a:t>known</a:t>
-            </a:r>
-            <a:r>
-              <a:rPr lang="el-GR" sz="2000" dirty="0">
-                <a:effectLst/>
-                <a:latin typeface="Verdana" panose="020B0604030504040204" pitchFamily="34" charset="0"/>
-                <a:ea typeface="Calibri" panose="020F0502020204030204" pitchFamily="34" charset="0"/>
-                <a:cs typeface="Times New Roman" panose="02020603050405020304" pitchFamily="18" charset="0"/>
-              </a:rPr>
-              <a:t> in </a:t>
-            </a:r>
-            <a:r>
-              <a:rPr lang="el-GR" sz="2000" dirty="0" err="1">
-                <a:effectLst/>
-                <a:latin typeface="Verdana" panose="020B0604030504040204" pitchFamily="34" charset="0"/>
-                <a:ea typeface="Calibri" panose="020F0502020204030204" pitchFamily="34" charset="0"/>
-                <a:cs typeface="Times New Roman" panose="02020603050405020304" pitchFamily="18" charset="0"/>
-              </a:rPr>
-              <a:t>all</a:t>
-            </a:r>
-            <a:r>
-              <a:rPr lang="el-GR" sz="2000" dirty="0">
-                <a:effectLst/>
-                <a:latin typeface="Verdana" panose="020B0604030504040204" pitchFamily="34" charset="0"/>
-                <a:ea typeface="Calibri" panose="020F0502020204030204" pitchFamily="34" charset="0"/>
-                <a:cs typeface="Times New Roman" panose="02020603050405020304" pitchFamily="18" charset="0"/>
-              </a:rPr>
-              <a:t> </a:t>
-            </a:r>
-            <a:r>
-              <a:rPr lang="el-GR" sz="2000" dirty="0" err="1">
-                <a:effectLst/>
-                <a:latin typeface="Verdana" panose="020B0604030504040204" pitchFamily="34" charset="0"/>
-                <a:ea typeface="Calibri" panose="020F0502020204030204" pitchFamily="34" charset="0"/>
-                <a:cs typeface="Times New Roman" panose="02020603050405020304" pitchFamily="18" charset="0"/>
-              </a:rPr>
-              <a:t>subprograms</a:t>
-            </a:r>
-            <a:r>
-              <a:rPr lang="el-GR" sz="2000" dirty="0">
-                <a:effectLst/>
-                <a:latin typeface="Verdana" panose="020B0604030504040204" pitchFamily="34" charset="0"/>
-                <a:ea typeface="Calibri" panose="020F0502020204030204" pitchFamily="34" charset="0"/>
-                <a:cs typeface="Times New Roman" panose="02020603050405020304" pitchFamily="18" charset="0"/>
-              </a:rPr>
-              <a:t> and </a:t>
-            </a:r>
-            <a:r>
-              <a:rPr lang="el-GR" sz="2000" dirty="0" err="1">
-                <a:effectLst/>
-                <a:latin typeface="Verdana" panose="020B0604030504040204" pitchFamily="34" charset="0"/>
-                <a:ea typeface="Calibri" panose="020F0502020204030204" pitchFamily="34" charset="0"/>
-                <a:cs typeface="Times New Roman" panose="02020603050405020304" pitchFamily="18" charset="0"/>
-              </a:rPr>
-              <a:t>are</a:t>
-            </a:r>
-            <a:r>
-              <a:rPr lang="el-GR" sz="2000" dirty="0">
-                <a:effectLst/>
-                <a:latin typeface="Verdana" panose="020B0604030504040204" pitchFamily="34" charset="0"/>
-                <a:ea typeface="Calibri" panose="020F0502020204030204" pitchFamily="34" charset="0"/>
-                <a:cs typeface="Times New Roman" panose="02020603050405020304" pitchFamily="18" charset="0"/>
-              </a:rPr>
-              <a:t> </a:t>
-            </a:r>
-            <a:r>
-              <a:rPr lang="el-GR" sz="2000" dirty="0" err="1">
-                <a:effectLst/>
-                <a:latin typeface="Verdana" panose="020B0604030504040204" pitchFamily="34" charset="0"/>
-                <a:ea typeface="Calibri" panose="020F0502020204030204" pitchFamily="34" charset="0"/>
-                <a:cs typeface="Times New Roman" panose="02020603050405020304" pitchFamily="18" charset="0"/>
-              </a:rPr>
-              <a:t>called</a:t>
-            </a:r>
-            <a:r>
-              <a:rPr lang="el-GR" sz="2000" dirty="0">
-                <a:effectLst/>
-                <a:latin typeface="Verdana" panose="020B0604030504040204" pitchFamily="34" charset="0"/>
-                <a:ea typeface="Calibri" panose="020F0502020204030204" pitchFamily="34" charset="0"/>
-                <a:cs typeface="Times New Roman" panose="02020603050405020304" pitchFamily="18" charset="0"/>
-              </a:rPr>
-              <a:t> </a:t>
-            </a:r>
-            <a:r>
-              <a:rPr lang="el-GR" sz="2000" b="1" dirty="0" err="1">
-                <a:effectLst/>
-                <a:latin typeface="Verdana" panose="020B0604030504040204" pitchFamily="34" charset="0"/>
-                <a:ea typeface="Calibri" panose="020F0502020204030204" pitchFamily="34" charset="0"/>
-                <a:cs typeface="Times New Roman" panose="02020603050405020304" pitchFamily="18" charset="0"/>
-              </a:rPr>
-              <a:t>Global</a:t>
-            </a:r>
-            <a:r>
-              <a:rPr lang="el-GR" sz="2000" b="1" dirty="0">
+              <a:t>Globales</a:t>
+            </a:r>
+            <a:r>
+              <a:rPr lang="es-ES" sz="2000" dirty="0">
                 <a:effectLst/>
                 <a:latin typeface="Verdana" panose="020B0604030504040204" pitchFamily="34" charset="0"/>
                 <a:ea typeface="Calibri" panose="020F0502020204030204" pitchFamily="34" charset="0"/>
@@ -10814,241 +11818,25 @@
               </a:spcAft>
             </a:pPr>
             <a:r>
-              <a:rPr lang="el-GR" sz="2000" dirty="0">
+              <a:rPr lang="es-ES" sz="2000" dirty="0">
                 <a:effectLst/>
                 <a:latin typeface="Verdana" panose="020B0604030504040204" pitchFamily="34" charset="0"/>
                 <a:ea typeface="Calibri" panose="020F0502020204030204" pitchFamily="34" charset="0"/>
                 <a:cs typeface="Times New Roman" panose="02020603050405020304" pitchFamily="18" charset="0"/>
               </a:rPr>
-              <a:t>The </a:t>
-            </a:r>
-            <a:r>
-              <a:rPr lang="el-GR" sz="2000" dirty="0" err="1">
+              <a:t>Las variables declaradas dentro de una subrutina sólo se pueden ver dentro de esa subrutina y se llaman </a:t>
+            </a:r>
+            <a:r>
+              <a:rPr lang="es-ES" sz="2000" b="1" dirty="0">
                 <a:effectLst/>
                 <a:latin typeface="Verdana" panose="020B0604030504040204" pitchFamily="34" charset="0"/>
                 <a:ea typeface="Calibri" panose="020F0502020204030204" pitchFamily="34" charset="0"/>
                 <a:cs typeface="Times New Roman" panose="02020603050405020304" pitchFamily="18" charset="0"/>
               </a:rPr>
-              <a:t>variables</a:t>
-            </a:r>
-            <a:r>
-              <a:rPr lang="el-GR" sz="2000" dirty="0">
-                <a:effectLst/>
-                <a:latin typeface="Verdana" panose="020B0604030504040204" pitchFamily="34" charset="0"/>
-                <a:ea typeface="Calibri" panose="020F0502020204030204" pitchFamily="34" charset="0"/>
-                <a:cs typeface="Times New Roman" panose="02020603050405020304" pitchFamily="18" charset="0"/>
-              </a:rPr>
-              <a:t> </a:t>
-            </a:r>
-            <a:r>
-              <a:rPr lang="el-GR" sz="2000" dirty="0" err="1">
-                <a:effectLst/>
-                <a:latin typeface="Verdana" panose="020B0604030504040204" pitchFamily="34" charset="0"/>
-                <a:ea typeface="Calibri" panose="020F0502020204030204" pitchFamily="34" charset="0"/>
-                <a:cs typeface="Times New Roman" panose="02020603050405020304" pitchFamily="18" charset="0"/>
-              </a:rPr>
-              <a:t>declared</a:t>
-            </a:r>
-            <a:r>
-              <a:rPr lang="el-GR" sz="2000" dirty="0">
-                <a:effectLst/>
-                <a:latin typeface="Verdana" panose="020B0604030504040204" pitchFamily="34" charset="0"/>
-                <a:ea typeface="Calibri" panose="020F0502020204030204" pitchFamily="34" charset="0"/>
-                <a:cs typeface="Times New Roman" panose="02020603050405020304" pitchFamily="18" charset="0"/>
-              </a:rPr>
-              <a:t> </a:t>
-            </a:r>
-            <a:r>
-              <a:rPr lang="el-GR" sz="2000" dirty="0" err="1">
-                <a:effectLst/>
-                <a:latin typeface="Verdana" panose="020B0604030504040204" pitchFamily="34" charset="0"/>
-                <a:ea typeface="Calibri" panose="020F0502020204030204" pitchFamily="34" charset="0"/>
-                <a:cs typeface="Times New Roman" panose="02020603050405020304" pitchFamily="18" charset="0"/>
-              </a:rPr>
-              <a:t>within</a:t>
-            </a:r>
-            <a:r>
-              <a:rPr lang="el-GR" sz="2000" dirty="0">
-                <a:effectLst/>
-                <a:latin typeface="Verdana" panose="020B0604030504040204" pitchFamily="34" charset="0"/>
-                <a:ea typeface="Calibri" panose="020F0502020204030204" pitchFamily="34" charset="0"/>
-                <a:cs typeface="Times New Roman" panose="02020603050405020304" pitchFamily="18" charset="0"/>
-              </a:rPr>
-              <a:t> the </a:t>
-            </a:r>
-            <a:r>
-              <a:rPr lang="el-GR" sz="2000" dirty="0" err="1">
-                <a:effectLst/>
-                <a:latin typeface="Verdana" panose="020B0604030504040204" pitchFamily="34" charset="0"/>
-                <a:ea typeface="Calibri" panose="020F0502020204030204" pitchFamily="34" charset="0"/>
-                <a:cs typeface="Times New Roman" panose="02020603050405020304" pitchFamily="18" charset="0"/>
-              </a:rPr>
-              <a:t>subprograms</a:t>
-            </a:r>
-            <a:r>
-              <a:rPr lang="el-GR" sz="2000" dirty="0">
-                <a:effectLst/>
-                <a:latin typeface="Verdana" panose="020B0604030504040204" pitchFamily="34" charset="0"/>
-                <a:ea typeface="Calibri" panose="020F0502020204030204" pitchFamily="34" charset="0"/>
-                <a:cs typeface="Times New Roman" panose="02020603050405020304" pitchFamily="18" charset="0"/>
-              </a:rPr>
-              <a:t> </a:t>
-            </a:r>
-            <a:r>
-              <a:rPr lang="el-GR" sz="2000" dirty="0" err="1">
-                <a:effectLst/>
-                <a:latin typeface="Verdana" panose="020B0604030504040204" pitchFamily="34" charset="0"/>
-                <a:ea typeface="Calibri" panose="020F0502020204030204" pitchFamily="34" charset="0"/>
-                <a:cs typeface="Times New Roman" panose="02020603050405020304" pitchFamily="18" charset="0"/>
-              </a:rPr>
-              <a:t>are</a:t>
-            </a:r>
-            <a:r>
-              <a:rPr lang="el-GR" sz="2000" dirty="0">
-                <a:effectLst/>
-                <a:latin typeface="Verdana" panose="020B0604030504040204" pitchFamily="34" charset="0"/>
-                <a:ea typeface="Calibri" panose="020F0502020204030204" pitchFamily="34" charset="0"/>
-                <a:cs typeface="Times New Roman" panose="02020603050405020304" pitchFamily="18" charset="0"/>
-              </a:rPr>
-              <a:t> </a:t>
-            </a:r>
-            <a:r>
-              <a:rPr lang="el-GR" sz="2000" dirty="0" err="1">
-                <a:effectLst/>
-                <a:latin typeface="Verdana" panose="020B0604030504040204" pitchFamily="34" charset="0"/>
-                <a:ea typeface="Calibri" panose="020F0502020204030204" pitchFamily="34" charset="0"/>
-                <a:cs typeface="Times New Roman" panose="02020603050405020304" pitchFamily="18" charset="0"/>
-              </a:rPr>
-              <a:t>called</a:t>
-            </a:r>
-            <a:r>
-              <a:rPr lang="el-GR" sz="2000" dirty="0">
-                <a:effectLst/>
-                <a:latin typeface="Verdana" panose="020B0604030504040204" pitchFamily="34" charset="0"/>
-                <a:ea typeface="Calibri" panose="020F0502020204030204" pitchFamily="34" charset="0"/>
-                <a:cs typeface="Times New Roman" panose="02020603050405020304" pitchFamily="18" charset="0"/>
-              </a:rPr>
-              <a:t> </a:t>
-            </a:r>
-            <a:r>
-              <a:rPr lang="en-US" sz="2000" b="1" dirty="0">
-                <a:effectLst/>
-                <a:latin typeface="Verdana" panose="020B0604030504040204" pitchFamily="34" charset="0"/>
-                <a:ea typeface="Calibri" panose="020F0502020204030204" pitchFamily="34" charset="0"/>
-                <a:cs typeface="Times New Roman" panose="02020603050405020304" pitchFamily="18" charset="0"/>
-              </a:rPr>
-              <a:t>L</a:t>
-            </a:r>
-            <a:r>
-              <a:rPr lang="el-GR" sz="2000" b="1" dirty="0" err="1">
-                <a:effectLst/>
-                <a:latin typeface="Verdana" panose="020B0604030504040204" pitchFamily="34" charset="0"/>
-                <a:ea typeface="Calibri" panose="020F0502020204030204" pitchFamily="34" charset="0"/>
-                <a:cs typeface="Times New Roman" panose="02020603050405020304" pitchFamily="18" charset="0"/>
-              </a:rPr>
-              <a:t>ocal</a:t>
-            </a:r>
-            <a:r>
-              <a:rPr lang="el-GR" sz="2000" b="1" dirty="0">
-                <a:effectLst/>
-                <a:latin typeface="Verdana" panose="020B0604030504040204" pitchFamily="34" charset="0"/>
-                <a:ea typeface="Calibri" panose="020F0502020204030204" pitchFamily="34" charset="0"/>
-                <a:cs typeface="Times New Roman" panose="02020603050405020304" pitchFamily="18" charset="0"/>
-              </a:rPr>
-              <a:t> </a:t>
-            </a:r>
-            <a:r>
-              <a:rPr lang="el-GR" sz="2000" dirty="0">
-                <a:effectLst/>
-                <a:latin typeface="Verdana" panose="020B0604030504040204" pitchFamily="34" charset="0"/>
-                <a:ea typeface="Calibri" panose="020F0502020204030204" pitchFamily="34" charset="0"/>
-                <a:cs typeface="Times New Roman" panose="02020603050405020304" pitchFamily="18" charset="0"/>
-              </a:rPr>
-              <a:t>and </a:t>
-            </a:r>
-            <a:r>
-              <a:rPr lang="el-GR" sz="2000" dirty="0" err="1">
-                <a:effectLst/>
-                <a:latin typeface="Verdana" panose="020B0604030504040204" pitchFamily="34" charset="0"/>
-                <a:ea typeface="Calibri" panose="020F0502020204030204" pitchFamily="34" charset="0"/>
-                <a:cs typeface="Times New Roman" panose="02020603050405020304" pitchFamily="18" charset="0"/>
-              </a:rPr>
-              <a:t>are</a:t>
-            </a:r>
-            <a:r>
-              <a:rPr lang="el-GR" sz="2000" dirty="0">
-                <a:effectLst/>
-                <a:latin typeface="Verdana" panose="020B0604030504040204" pitchFamily="34" charset="0"/>
-                <a:ea typeface="Calibri" panose="020F0502020204030204" pitchFamily="34" charset="0"/>
-                <a:cs typeface="Times New Roman" panose="02020603050405020304" pitchFamily="18" charset="0"/>
-              </a:rPr>
-              <a:t> </a:t>
-            </a:r>
-            <a:r>
-              <a:rPr lang="el-GR" sz="2000" dirty="0" err="1">
-                <a:effectLst/>
-                <a:latin typeface="Verdana" panose="020B0604030504040204" pitchFamily="34" charset="0"/>
-                <a:ea typeface="Calibri" panose="020F0502020204030204" pitchFamily="34" charset="0"/>
-                <a:cs typeface="Times New Roman" panose="02020603050405020304" pitchFamily="18" charset="0"/>
-              </a:rPr>
-              <a:t>not</a:t>
-            </a:r>
-            <a:r>
-              <a:rPr lang="el-GR" sz="2000" dirty="0">
-                <a:effectLst/>
-                <a:latin typeface="Verdana" panose="020B0604030504040204" pitchFamily="34" charset="0"/>
-                <a:ea typeface="Calibri" panose="020F0502020204030204" pitchFamily="34" charset="0"/>
-                <a:cs typeface="Times New Roman" panose="02020603050405020304" pitchFamily="18" charset="0"/>
-              </a:rPr>
-              <a:t> </a:t>
-            </a:r>
-            <a:r>
-              <a:rPr lang="el-GR" sz="2000" dirty="0" err="1">
-                <a:effectLst/>
-                <a:latin typeface="Verdana" panose="020B0604030504040204" pitchFamily="34" charset="0"/>
-                <a:ea typeface="Calibri" panose="020F0502020204030204" pitchFamily="34" charset="0"/>
-                <a:cs typeface="Times New Roman" panose="02020603050405020304" pitchFamily="18" charset="0"/>
-              </a:rPr>
-              <a:t>known</a:t>
-            </a:r>
-            <a:r>
-              <a:rPr lang="el-GR" sz="2000" dirty="0">
-                <a:effectLst/>
-                <a:latin typeface="Verdana" panose="020B0604030504040204" pitchFamily="34" charset="0"/>
-                <a:ea typeface="Calibri" panose="020F0502020204030204" pitchFamily="34" charset="0"/>
-                <a:cs typeface="Times New Roman" panose="02020603050405020304" pitchFamily="18" charset="0"/>
-              </a:rPr>
-              <a:t> in the </a:t>
-            </a:r>
-            <a:r>
-              <a:rPr lang="el-GR" sz="2000" dirty="0" err="1">
-                <a:effectLst/>
-                <a:latin typeface="Verdana" panose="020B0604030504040204" pitchFamily="34" charset="0"/>
-                <a:ea typeface="Calibri" panose="020F0502020204030204" pitchFamily="34" charset="0"/>
-                <a:cs typeface="Times New Roman" panose="02020603050405020304" pitchFamily="18" charset="0"/>
-              </a:rPr>
-              <a:t>rest</a:t>
-            </a:r>
-            <a:r>
-              <a:rPr lang="el-GR" sz="2000" dirty="0">
-                <a:effectLst/>
-                <a:latin typeface="Verdana" panose="020B0604030504040204" pitchFamily="34" charset="0"/>
-                <a:ea typeface="Calibri" panose="020F0502020204030204" pitchFamily="34" charset="0"/>
-                <a:cs typeface="Times New Roman" panose="02020603050405020304" pitchFamily="18" charset="0"/>
-              </a:rPr>
-              <a:t> </a:t>
-            </a:r>
-            <a:r>
-              <a:rPr lang="el-GR" sz="2000" dirty="0" err="1">
-                <a:effectLst/>
-                <a:latin typeface="Verdana" panose="020B0604030504040204" pitchFamily="34" charset="0"/>
-                <a:ea typeface="Calibri" panose="020F0502020204030204" pitchFamily="34" charset="0"/>
-                <a:cs typeface="Times New Roman" panose="02020603050405020304" pitchFamily="18" charset="0"/>
-              </a:rPr>
-              <a:t>program</a:t>
-            </a:r>
-            <a:r>
-              <a:rPr lang="el-GR" sz="2000" dirty="0">
+              <a:t>Locales</a:t>
+            </a:r>
+            <a:r>
+              <a:rPr lang="es-ES" sz="2000" dirty="0">
                 <a:effectLst/>
                 <a:latin typeface="Verdana" panose="020B0604030504040204" pitchFamily="34" charset="0"/>
                 <a:ea typeface="Calibri" panose="020F0502020204030204" pitchFamily="34" charset="0"/>
@@ -11056,6 +11844,12 @@
               </a:rPr>
               <a:t>.</a:t>
             </a:r>
+            <a:endParaRPr lang="el-GR" sz="2000" dirty="0">
+              <a:effectLst/>
+              <a:latin typeface="Verdana" panose="020B0604030504040204" pitchFamily="34" charset="0"/>
+              <a:ea typeface="Calibri" panose="020F0502020204030204" pitchFamily="34" charset="0"/>
+              <a:cs typeface="Times New Roman" panose="02020603050405020304" pitchFamily="18" charset="0"/>
+            </a:endParaRPr>
           </a:p>
         </p:txBody>
       </p:sp>
@@ -11074,9 +11868,9 @@
           <p:nvPr/>
         </p:nvCxnSpPr>
         <p:spPr>
-          <a:xfrm flipV="1">
-            <a:off x="2825262" y="1735016"/>
-            <a:ext cx="2321169" cy="105507"/>
+          <a:xfrm>
+            <a:off x="2754775" y="1737875"/>
+            <a:ext cx="2442258" cy="354224"/>
           </a:xfrm>
           <a:prstGeom prst="straightConnector1">
             <a:avLst/>
@@ -11119,8 +11913,8 @@
         </p:nvCxnSpPr>
         <p:spPr>
           <a:xfrm flipV="1">
-            <a:off x="3223846" y="2982487"/>
-            <a:ext cx="2520462" cy="733728"/>
+            <a:off x="3223846" y="3154833"/>
+            <a:ext cx="1973187" cy="561382"/>
           </a:xfrm>
           <a:prstGeom prst="straightConnector1">
             <a:avLst/>
@@ -11163,8 +11957,8 @@
         </p:nvCxnSpPr>
         <p:spPr>
           <a:xfrm flipV="1">
-            <a:off x="3134228" y="4243754"/>
-            <a:ext cx="2426233" cy="1050044"/>
+            <a:off x="3134228" y="4525701"/>
+            <a:ext cx="2062805" cy="768097"/>
           </a:xfrm>
           <a:prstGeom prst="straightConnector1">
             <a:avLst/>
@@ -11191,6 +11985,132 @@
           </a:fontRef>
         </p:style>
       </p:cxnSp>
+      <p:pic>
+        <p:nvPicPr>
+          <p:cNvPr id="13" name="Γραφικό 424">
+            <a:extLst>
+              <a:ext uri="{FF2B5EF4-FFF2-40B4-BE49-F238E27FC236}">
+                <a16:creationId xmlns:a16="http://schemas.microsoft.com/office/drawing/2014/main" id="{AB8F6162-23E7-487F-A87C-49E92EBAB698}"/>
+              </a:ext>
+            </a:extLst>
+          </p:cNvPr>
+          <p:cNvPicPr/>
+          <p:nvPr/>
+        </p:nvPicPr>
+        <p:blipFill>
+          <a:blip r:embed="rId4">
+            <a:extLst>
+              <a:ext uri="{28A0092B-C50C-407E-A947-70E740481C1C}">
+                <a14:useLocalDpi xmlns:a14="http://schemas.microsoft.com/office/drawing/2010/main" val="0"/>
+              </a:ext>
+              <a:ext uri="{96DAC541-7B7A-43D3-8B79-37D633B846F1}">
+                <asvg:svgBlip xmlns:asvg="http://schemas.microsoft.com/office/drawing/2016/SVG/main" r:embed="rId5"/>
+              </a:ext>
+            </a:extLst>
+          </a:blip>
+          <a:stretch>
+            <a:fillRect/>
+          </a:stretch>
+        </p:blipFill>
+        <p:spPr>
+          <a:xfrm>
+            <a:off x="4906482" y="1478782"/>
+            <a:ext cx="3136391" cy="3812335"/>
+          </a:xfrm>
+          <a:prstGeom prst="rect">
+            <a:avLst/>
+          </a:prstGeom>
+        </p:spPr>
+      </p:pic>
+      <p:sp>
+        <p:nvSpPr>
+          <p:cNvPr id="17" name="Cuadro de texto 20">
+            <a:extLst>
+              <a:ext uri="{FF2B5EF4-FFF2-40B4-BE49-F238E27FC236}">
+                <a16:creationId xmlns:a16="http://schemas.microsoft.com/office/drawing/2014/main" id="{9400AB18-9161-4F95-ABA1-2FBF104E9CAF}"/>
+              </a:ext>
+            </a:extLst>
+          </p:cNvPr>
+          <p:cNvSpPr txBox="1"/>
+          <p:nvPr/>
+        </p:nvSpPr>
+        <p:spPr>
+          <a:xfrm>
+            <a:off x="5088288" y="3799748"/>
+            <a:ext cx="2903516" cy="354224"/>
+          </a:xfrm>
+          <a:prstGeom prst="rect">
+            <a:avLst/>
+          </a:prstGeom>
+          <a:solidFill>
+            <a:schemeClr val="lt1"/>
+          </a:solidFill>
+          <a:ln w="6350">
+            <a:noFill/>
+          </a:ln>
+        </p:spPr>
+        <p:txBody>
+          <a:bodyPr rot="0" spcFirstLastPara="0" vert="horz" wrap="square" lIns="0" tIns="45720" rIns="0" bIns="45720" numCol="1" spcCol="0" rtlCol="0" fromWordArt="0" anchor="t" anchorCtr="0" forceAA="0" compatLnSpc="1">
+            <a:prstTxWarp prst="textNoShape">
+              <a:avLst/>
+            </a:prstTxWarp>
+            <a:noAutofit/>
+          </a:bodyPr>
+          <a:lstStyle/>
+          <a:p>
+            <a:pPr>
+              <a:lnSpc>
+                <a:spcPct val="107000"/>
+              </a:lnSpc>
+              <a:spcAft>
+                <a:spcPts val="800"/>
+              </a:spcAft>
+            </a:pPr>
+            <a:r>
+              <a:rPr lang="es-ES" sz="1100" dirty="0" err="1">
+                <a:effectLst/>
+                <a:latin typeface="Verdana" panose="020B0604030504040204" pitchFamily="34" charset="0"/>
+                <a:ea typeface="Calibri" panose="020F0502020204030204" pitchFamily="34" charset="0"/>
+                <a:cs typeface="Times New Roman" panose="02020603050405020304" pitchFamily="18" charset="0"/>
+              </a:rPr>
+              <a:t>Private</a:t>
+            </a:r>
+            <a:r>
+              <a:rPr lang="es-ES" sz="1100" dirty="0">
+                <a:effectLst/>
+                <a:latin typeface="Verdana" panose="020B0604030504040204" pitchFamily="34" charset="0"/>
+                <a:ea typeface="Calibri" panose="020F0502020204030204" pitchFamily="34" charset="0"/>
+                <a:cs typeface="Times New Roman" panose="02020603050405020304" pitchFamily="18" charset="0"/>
+              </a:rPr>
+              <a:t> Sub MuestraSuma1(a, b As </a:t>
+            </a:r>
+            <a:r>
+              <a:rPr lang="es-ES" sz="1100" dirty="0" err="1">
+                <a:effectLst/>
+                <a:latin typeface="Verdana" panose="020B0604030504040204" pitchFamily="34" charset="0"/>
+                <a:ea typeface="Calibri" panose="020F0502020204030204" pitchFamily="34" charset="0"/>
+                <a:cs typeface="Times New Roman" panose="02020603050405020304" pitchFamily="18" charset="0"/>
+              </a:rPr>
+              <a:t>Int</a:t>
+            </a:r>
+            <a:r>
+              <a:rPr lang="es-ES" sz="1100" dirty="0">
+                <a:effectLst/>
+                <a:latin typeface="Verdana" panose="020B0604030504040204" pitchFamily="34" charset="0"/>
+                <a:ea typeface="Calibri" panose="020F0502020204030204" pitchFamily="34" charset="0"/>
+                <a:cs typeface="Times New Roman" panose="02020603050405020304" pitchFamily="18" charset="0"/>
+              </a:rPr>
+              <a:t>)</a:t>
+            </a:r>
+            <a:endParaRPr lang="es-ES" dirty="0">
+              <a:effectLst/>
+              <a:latin typeface="Verdana" panose="020B0604030504040204" pitchFamily="34" charset="0"/>
+              <a:ea typeface="Calibri" panose="020F0502020204030204" pitchFamily="34" charset="0"/>
+              <a:cs typeface="Times New Roman" panose="02020603050405020304" pitchFamily="18" charset="0"/>
+            </a:endParaRPr>
+          </a:p>
+        </p:txBody>
+      </p:sp>
     </p:spTree>
     <p:extLst>
       <p:ext uri="{BB962C8B-B14F-4D97-AF65-F5344CB8AC3E}">
@@ -11538,8 +12458,8 @@
         </p:nvSpPr>
         <p:spPr>
           <a:xfrm>
-            <a:off x="5572086" y="4589209"/>
-            <a:ext cx="6424842" cy="1496021"/>
+            <a:off x="5389206" y="4589209"/>
+            <a:ext cx="6607722" cy="1496021"/>
           </a:xfrm>
           <a:prstGeom prst="rect">
             <a:avLst/>
@@ -11590,8 +12510,8 @@
         </p:nvSpPr>
         <p:spPr>
           <a:xfrm>
-            <a:off x="5572086" y="2891176"/>
-            <a:ext cx="6424842" cy="1449175"/>
+            <a:off x="5389206" y="2891176"/>
+            <a:ext cx="6607722" cy="1449175"/>
           </a:xfrm>
           <a:prstGeom prst="rect">
             <a:avLst/>
@@ -11642,8 +12562,8 @@
         </p:nvSpPr>
         <p:spPr>
           <a:xfrm>
-            <a:off x="5572086" y="1585961"/>
-            <a:ext cx="6424842" cy="1075646"/>
+            <a:off x="5389206" y="1585961"/>
+            <a:ext cx="6607722" cy="1075646"/>
           </a:xfrm>
           <a:prstGeom prst="rect">
             <a:avLst/>
@@ -11702,184 +12622,13 @@
           <a:lstStyle/>
           <a:p>
             <a:r>
-              <a:rPr lang="en-US" dirty="0"/>
-              <a:t>Return a value from a subprogram. </a:t>
+              <a:rPr lang="es-ES" dirty="0"/>
+              <a:t>Devolución de una valor desde una subrutina </a:t>
             </a:r>
             <a:endParaRPr lang="el-GR" dirty="0"/>
           </a:p>
         </p:txBody>
       </p:sp>
-      <p:grpSp>
-        <p:nvGrpSpPr>
-          <p:cNvPr id="4" name="Ομάδα 3">
-            <a:extLst>
-              <a:ext uri="{FF2B5EF4-FFF2-40B4-BE49-F238E27FC236}">
-                <a16:creationId xmlns:a16="http://schemas.microsoft.com/office/drawing/2014/main" id="{03656732-E465-4087-B50B-269BA5EFF75D}"/>
-              </a:ext>
-            </a:extLst>
-          </p:cNvPr>
-          <p:cNvGrpSpPr/>
-          <p:nvPr/>
-        </p:nvGrpSpPr>
-        <p:grpSpPr>
-          <a:xfrm>
-            <a:off x="-126243" y="1585961"/>
-            <a:ext cx="5319566" cy="4638993"/>
-            <a:chOff x="0" y="0"/>
-            <a:chExt cx="2574001" cy="2115399"/>
-          </a:xfrm>
-        </p:grpSpPr>
-        <p:pic>
-          <p:nvPicPr>
-            <p:cNvPr id="5" name="Εικόνα 4">
-              <a:extLst>
-                <a:ext uri="{FF2B5EF4-FFF2-40B4-BE49-F238E27FC236}">
-                  <a16:creationId xmlns:a16="http://schemas.microsoft.com/office/drawing/2014/main" id="{093FC005-41DC-4942-83E2-FB686D2F8CEE}"/>
-                </a:ext>
-              </a:extLst>
-            </p:cNvPr>
-            <p:cNvPicPr>
-              <a:picLocks noChangeAspect="1"/>
-            </p:cNvPicPr>
-            <p:nvPr/>
-          </p:nvPicPr>
-          <p:blipFill>
-            <a:blip r:embed="rId3" cstate="print">
-              <a:extLst>
-                <a:ext uri="{28A0092B-C50C-407E-A947-70E740481C1C}">
-                  <a14:useLocalDpi xmlns:a14="http://schemas.microsoft.com/office/drawing/2010/main" val="0"/>
-                </a:ext>
-              </a:extLst>
-            </a:blip>
-            <a:stretch>
-              <a:fillRect/>
-            </a:stretch>
-          </p:blipFill>
-          <p:spPr>
-            <a:xfrm>
-              <a:off x="301336" y="0"/>
-              <a:ext cx="2272665" cy="2051685"/>
-            </a:xfrm>
-            <a:prstGeom prst="rect">
-              <a:avLst/>
-            </a:prstGeom>
-          </p:spPr>
-        </p:pic>
-        <p:sp>
-          <p:nvSpPr>
-            <p:cNvPr id="6" name="Οβάλ 5">
-              <a:extLst>
-                <a:ext uri="{FF2B5EF4-FFF2-40B4-BE49-F238E27FC236}">
-                  <a16:creationId xmlns:a16="http://schemas.microsoft.com/office/drawing/2014/main" id="{BC2FA893-58A5-4339-B1A5-84CC2FE694AA}"/>
-                </a:ext>
-              </a:extLst>
-            </p:cNvPr>
-            <p:cNvSpPr/>
-            <p:nvPr/>
-          </p:nvSpPr>
-          <p:spPr>
-            <a:xfrm>
-              <a:off x="644236" y="1818409"/>
-              <a:ext cx="527957" cy="141514"/>
-            </a:xfrm>
-            <a:prstGeom prst="ellipse">
-              <a:avLst/>
-            </a:prstGeom>
-            <a:noFill/>
-            <a:ln w="38100">
-              <a:solidFill>
-                <a:srgbClr val="FF0000"/>
-              </a:solidFill>
-            </a:ln>
-          </p:spPr>
-          <p:style>
-            <a:lnRef idx="2">
-              <a:schemeClr val="accent1">
-                <a:shade val="50000"/>
-              </a:schemeClr>
-            </a:lnRef>
-            <a:fillRef idx="1">
-              <a:schemeClr val="accent1"/>
-            </a:fillRef>
-            <a:effectRef idx="0">
-              <a:schemeClr val="accent1"/>
-            </a:effectRef>
-            <a:fontRef idx="minor">
-              <a:schemeClr val="lt1"/>
-            </a:fontRef>
-          </p:style>
-          <p:txBody>
-            <a:bodyPr rot="0" spcFirstLastPara="0" vert="horz" wrap="square" lIns="91440" tIns="45720" rIns="91440" bIns="45720" numCol="1" spcCol="0" rtlCol="0" fromWordArt="0" anchor="ctr" anchorCtr="0" forceAA="0" compatLnSpc="1">
-              <a:prstTxWarp prst="textNoShape">
-                <a:avLst/>
-              </a:prstTxWarp>
-              <a:noAutofit/>
-            </a:bodyPr>
-            <a:lstStyle/>
-            <a:p>
-              <a:endParaRPr lang="el-GR"/>
-            </a:p>
-          </p:txBody>
-        </p:sp>
-        <p:sp>
-          <p:nvSpPr>
-            <p:cNvPr id="7" name="Τόξο 6">
-              <a:extLst>
-                <a:ext uri="{FF2B5EF4-FFF2-40B4-BE49-F238E27FC236}">
-                  <a16:creationId xmlns:a16="http://schemas.microsoft.com/office/drawing/2014/main" id="{5A642E36-A7EB-4C15-B43A-A32D8EFC0B68}"/>
-                </a:ext>
-              </a:extLst>
-            </p:cNvPr>
-            <p:cNvSpPr/>
-            <p:nvPr/>
-          </p:nvSpPr>
-          <p:spPr>
-            <a:xfrm rot="2120699">
-              <a:off x="0" y="900546"/>
-              <a:ext cx="1119799" cy="1214853"/>
-            </a:xfrm>
-            <a:prstGeom prst="arc">
-              <a:avLst>
-                <a:gd name="adj1" fmla="val 16278220"/>
-                <a:gd name="adj2" fmla="val 0"/>
-              </a:avLst>
-            </a:prstGeom>
-            <a:ln w="38100">
-              <a:solidFill>
-                <a:srgbClr val="FF0000"/>
-              </a:solidFill>
-              <a:headEnd type="triangle" w="med" len="med"/>
-              <a:tailEnd type="none" w="med" len="med"/>
-            </a:ln>
-          </p:spPr>
-          <p:style>
-            <a:lnRef idx="1">
-              <a:schemeClr val="accent1"/>
-            </a:lnRef>
-            <a:fillRef idx="0">
-              <a:schemeClr val="accent1"/>
-            </a:fillRef>
-            <a:effectRef idx="0">
-              <a:schemeClr val="accent1"/>
-            </a:effectRef>
-            <a:fontRef idx="minor">
-              <a:schemeClr val="tx1"/>
-            </a:fontRef>
-          </p:style>
-          <p:txBody>
-            <a:bodyPr rot="0" spcFirstLastPara="0" vert="horz" wrap="square" lIns="91440" tIns="45720" rIns="91440" bIns="45720" numCol="1" spcCol="0" rtlCol="0" fromWordArt="0" anchor="ctr" anchorCtr="0" forceAA="0" compatLnSpc="1">
-              <a:prstTxWarp prst="textNoShape">
-                <a:avLst/>
-              </a:prstTxWarp>
-              <a:noAutofit/>
-            </a:bodyPr>
-            <a:lstStyle/>
-            <a:p>
-              <a:endParaRPr lang="el-GR"/>
-            </a:p>
-          </p:txBody>
-        </p:sp>
-      </p:grpSp>
       <p:sp>
         <p:nvSpPr>
           <p:cNvPr id="9" name="TextBox 8">
@@ -11894,8 +12643,8 @@
         </p:nvSpPr>
         <p:spPr>
           <a:xfrm>
-            <a:off x="5572086" y="1634993"/>
-            <a:ext cx="6241961" cy="4401205"/>
+            <a:off x="5389206" y="1634993"/>
+            <a:ext cx="6424841" cy="4401205"/>
           </a:xfrm>
           <a:prstGeom prst="rect">
             <a:avLst/>
@@ -11910,8 +12659,8 @@
           <a:p>
             <a:pPr algn="r"/>
             <a:r>
-              <a:rPr lang="en-US" sz="2800" dirty="0"/>
-              <a:t>The program must be declared as a variable type.</a:t>
+              <a:rPr lang="es-ES" sz="2800" dirty="0"/>
+              <a:t>En la declaración de la subrutina se incluye el tipo de variable que devolverá</a:t>
             </a:r>
           </a:p>
           <a:p>
@@ -11921,8 +12670,16 @@
           <a:p>
             <a:pPr algn="r"/>
             <a:r>
-              <a:rPr lang="en-US" sz="2800" dirty="0"/>
-              <a:t>In addition, the return command must be used within the subprogram to return the calculated value.</a:t>
+              <a:rPr lang="es-ES" sz="2800" dirty="0"/>
+              <a:t>Debes usar la sentencia </a:t>
+            </a:r>
+            <a:r>
+              <a:rPr lang="es-ES" sz="2800" b="1" dirty="0" err="1"/>
+              <a:t>Return</a:t>
+            </a:r>
+            <a:r>
+              <a:rPr lang="es-ES" sz="2800" dirty="0"/>
+              <a:t> dentro de la subrutina para devolver el valor que quieras.</a:t>
             </a:r>
           </a:p>
           <a:p>
@@ -11932,9 +12689,157 @@
           <a:p>
             <a:pPr algn="r"/>
             <a:r>
-              <a:rPr lang="en-US" sz="2800" dirty="0"/>
-              <a:t>Finally, the code that called the subprogram accepts back the value calculated and can use it like any variable. </a:t>
-            </a:r>
+              <a:rPr lang="es-ES" sz="2800" dirty="0"/>
+              <a:t>El código que ha invocado la subrutina usará el valor devuelto por la subrutina como si fuera una variable</a:t>
+            </a:r>
+            <a:endParaRPr lang="en-US" sz="2800" dirty="0"/>
+          </a:p>
+        </p:txBody>
+      </p:sp>
+      <p:pic>
+        <p:nvPicPr>
+          <p:cNvPr id="13" name="Εικόνα 355">
+            <a:extLst>
+              <a:ext uri="{FF2B5EF4-FFF2-40B4-BE49-F238E27FC236}">
+                <a16:creationId xmlns:a16="http://schemas.microsoft.com/office/drawing/2014/main" id="{09965C29-1B89-4E81-A2FB-4B4B6BA5784F}"/>
+              </a:ext>
+            </a:extLst>
+          </p:cNvPr>
+          <p:cNvPicPr/>
+          <p:nvPr/>
+        </p:nvPicPr>
+        <p:blipFill>
+          <a:blip r:embed="rId3">
+            <a:extLst>
+              <a:ext uri="{28A0092B-C50C-407E-A947-70E740481C1C}">
+                <a14:useLocalDpi xmlns:a14="http://schemas.microsoft.com/office/drawing/2010/main" val="0"/>
+              </a:ext>
+            </a:extLst>
+          </a:blip>
+          <a:srcRect/>
+          <a:stretch/>
+        </p:blipFill>
+        <p:spPr>
+          <a:xfrm>
+            <a:off x="377953" y="1687295"/>
+            <a:ext cx="4906067" cy="4198540"/>
+          </a:xfrm>
+          <a:prstGeom prst="rect">
+            <a:avLst/>
+          </a:prstGeom>
+        </p:spPr>
+      </p:pic>
+      <p:sp>
+        <p:nvSpPr>
+          <p:cNvPr id="14" name="Οβάλ 356">
+            <a:extLst>
+              <a:ext uri="{FF2B5EF4-FFF2-40B4-BE49-F238E27FC236}">
+                <a16:creationId xmlns:a16="http://schemas.microsoft.com/office/drawing/2014/main" id="{CA4B434E-B396-4235-A354-DC92488742E2}"/>
+              </a:ext>
+            </a:extLst>
+          </p:cNvPr>
+          <p:cNvSpPr/>
+          <p:nvPr/>
+        </p:nvSpPr>
+        <p:spPr>
+          <a:xfrm>
+            <a:off x="1085453" y="5363930"/>
+            <a:ext cx="1363638" cy="364293"/>
+          </a:xfrm>
+          <a:prstGeom prst="ellipse">
+            <a:avLst/>
+          </a:prstGeom>
+          <a:noFill/>
+          <a:ln w="38100">
+            <a:solidFill>
+              <a:srgbClr val="FF0000"/>
+            </a:solidFill>
+          </a:ln>
+        </p:spPr>
+        <p:style>
+          <a:lnRef idx="2">
+            <a:schemeClr val="accent1">
+              <a:shade val="50000"/>
+            </a:schemeClr>
+          </a:lnRef>
+          <a:fillRef idx="1">
+            <a:schemeClr val="accent1"/>
+          </a:fillRef>
+          <a:effectRef idx="0">
+            <a:schemeClr val="accent1"/>
+          </a:effectRef>
+          <a:fontRef idx="minor">
+            <a:schemeClr val="lt1"/>
+          </a:fontRef>
+        </p:style>
+        <p:txBody>
+          <a:bodyPr rot="0" spcFirstLastPara="0" vert="horz" wrap="square" lIns="91440" tIns="45720" rIns="91440" bIns="45720" numCol="1" spcCol="0" rtlCol="0" fromWordArt="0" anchor="ctr" anchorCtr="0" forceAA="0" compatLnSpc="1">
+            <a:prstTxWarp prst="textNoShape">
+              <a:avLst/>
+            </a:prstTxWarp>
+            <a:noAutofit/>
+          </a:bodyPr>
+          <a:lstStyle/>
+          <a:p>
+            <a:endParaRPr lang="es-ES"/>
+          </a:p>
+        </p:txBody>
+      </p:sp>
+      <p:sp>
+        <p:nvSpPr>
+          <p:cNvPr id="15" name="Τόξο 357">
+            <a:extLst>
+              <a:ext uri="{FF2B5EF4-FFF2-40B4-BE49-F238E27FC236}">
+                <a16:creationId xmlns:a16="http://schemas.microsoft.com/office/drawing/2014/main" id="{2DF470D4-2EBE-4479-B60E-4AAF69429367}"/>
+              </a:ext>
+            </a:extLst>
+          </p:cNvPr>
+          <p:cNvSpPr/>
+          <p:nvPr/>
+        </p:nvSpPr>
+        <p:spPr>
+          <a:xfrm rot="2120699">
+            <a:off x="-193548" y="3557796"/>
+            <a:ext cx="2578010" cy="2768950"/>
+          </a:xfrm>
+          <a:prstGeom prst="arc">
+            <a:avLst>
+              <a:gd name="adj1" fmla="val 16278220"/>
+              <a:gd name="adj2" fmla="val 20891794"/>
+            </a:avLst>
+          </a:prstGeom>
+          <a:ln w="28575">
+            <a:solidFill>
+              <a:srgbClr val="FF0000"/>
+            </a:solidFill>
+            <a:headEnd type="triangle" w="med" len="med"/>
+            <a:tailEnd type="none" w="med" len="med"/>
+          </a:ln>
+        </p:spPr>
+        <p:style>
+          <a:lnRef idx="1">
+            <a:schemeClr val="accent1"/>
+          </a:lnRef>
+          <a:fillRef idx="0">
+            <a:schemeClr val="accent1"/>
+          </a:fillRef>
+          <a:effectRef idx="0">
+            <a:schemeClr val="accent1"/>
+          </a:effectRef>
+          <a:fontRef idx="minor">
+            <a:schemeClr val="tx1"/>
+          </a:fontRef>
+        </p:style>
+        <p:txBody>
+          <a:bodyPr rot="0" spcFirstLastPara="0" vert="horz" wrap="square" lIns="91440" tIns="45720" rIns="91440" bIns="45720" numCol="1" spcCol="0" rtlCol="0" fromWordArt="0" anchor="ctr" anchorCtr="0" forceAA="0" compatLnSpc="1">
+            <a:prstTxWarp prst="textNoShape">
+              <a:avLst/>
+            </a:prstTxWarp>
+            <a:noAutofit/>
+          </a:bodyPr>
+          <a:lstStyle/>
+          <a:p>
+            <a:endParaRPr lang="es-ES"/>
           </a:p>
         </p:txBody>
       </p:sp>
@@ -12212,7 +13117,7 @@
         </p:nvSpPr>
         <p:spPr>
           <a:xfrm>
-            <a:off x="5577141" y="5861538"/>
+            <a:off x="5577218" y="5440101"/>
             <a:ext cx="6541476" cy="866651"/>
           </a:xfrm>
           <a:prstGeom prst="rect">
@@ -12264,8 +13169,8 @@
         </p:nvSpPr>
         <p:spPr>
           <a:xfrm>
-            <a:off x="5577141" y="4620029"/>
-            <a:ext cx="6541476" cy="1241509"/>
+            <a:off x="5577141" y="4186705"/>
+            <a:ext cx="6541476" cy="1253396"/>
           </a:xfrm>
           <a:prstGeom prst="rect">
             <a:avLst/>
@@ -12316,8 +13221,8 @@
         </p:nvSpPr>
         <p:spPr>
           <a:xfrm>
-            <a:off x="5577141" y="3753378"/>
-            <a:ext cx="6541476" cy="866651"/>
+            <a:off x="5577141" y="3321935"/>
+            <a:ext cx="6541476" cy="864770"/>
           </a:xfrm>
           <a:prstGeom prst="rect">
             <a:avLst/>
@@ -12369,7 +13274,7 @@
         <p:spPr>
           <a:xfrm>
             <a:off x="5577142" y="2934943"/>
-            <a:ext cx="6541476" cy="866651"/>
+            <a:ext cx="6541476" cy="386991"/>
           </a:xfrm>
           <a:prstGeom prst="rect">
             <a:avLst/>
@@ -12485,47 +13390,17 @@
           <a:lstStyle/>
           <a:p>
             <a:r>
+              <a:rPr lang="en-US" dirty="0" err="1"/>
+              <a:t>Ejemplo</a:t>
+            </a:r>
+            <a:r>
               <a:rPr lang="en-US" dirty="0"/>
-              <a:t>Example 2</a:t>
+              <a:t> 2</a:t>
             </a:r>
             <a:endParaRPr lang="el-GR" dirty="0"/>
           </a:p>
         </p:txBody>
       </p:sp>
-      <p:pic>
-        <p:nvPicPr>
-          <p:cNvPr id="3" name="Εικόνα 2" descr="Εικόνα που περιέχει κείμενο&#10;&#10;Περιγραφή που δημιουργήθηκε αυτόματα">
-            <a:extLst>
-              <a:ext uri="{FF2B5EF4-FFF2-40B4-BE49-F238E27FC236}">
-                <a16:creationId xmlns:a16="http://schemas.microsoft.com/office/drawing/2014/main" id="{47E90FDD-6E35-46F6-996C-8ABB61DBF386}"/>
-              </a:ext>
-            </a:extLst>
-          </p:cNvPr>
-          <p:cNvPicPr/>
-          <p:nvPr/>
-        </p:nvPicPr>
-        <p:blipFill>
-          <a:blip r:embed="rId3">
-            <a:extLst>
-              <a:ext uri="{28A0092B-C50C-407E-A947-70E740481C1C}">
-                <a14:useLocalDpi xmlns:a14="http://schemas.microsoft.com/office/drawing/2010/main" val="0"/>
-              </a:ext>
-            </a:extLst>
-          </a:blip>
-          <a:stretch>
-            <a:fillRect/>
-          </a:stretch>
-        </p:blipFill>
-        <p:spPr>
-          <a:xfrm>
-            <a:off x="339969" y="1683182"/>
-            <a:ext cx="4970586" cy="4638545"/>
-          </a:xfrm>
-          <a:prstGeom prst="rect">
-            <a:avLst/>
-          </a:prstGeom>
-        </p:spPr>
-      </p:pic>
       <p:sp>
         <p:nvSpPr>
           <p:cNvPr id="5" name="TextBox 4">
@@ -12540,8 +13415,8 @@
         </p:nvSpPr>
         <p:spPr>
           <a:xfrm>
-            <a:off x="5468816" y="1573830"/>
-            <a:ext cx="6541476" cy="5262979"/>
+            <a:off x="5577064" y="1573830"/>
+            <a:ext cx="6433227" cy="4832092"/>
           </a:xfrm>
           <a:prstGeom prst="rect">
             <a:avLst/>
@@ -12557,75 +13432,112 @@
             <a:pPr algn="r"/>
             <a:r>
               <a:rPr lang="en-US" sz="2800" dirty="0"/>
-              <a:t>1. Three integer variables (</a:t>
-            </a:r>
-            <a:r>
-              <a:rPr lang="en-US" sz="2800" dirty="0" err="1"/>
+              <a:t>1. </a:t>
+            </a:r>
+            <a:r>
+              <a:rPr lang="es-ES" sz="2800" dirty="0"/>
+              <a:t>Declaramos 3 variables enteras (</a:t>
+            </a:r>
+            <a:r>
+              <a:rPr lang="es-ES" sz="2800" dirty="0" err="1"/>
               <a:t>Inta</a:t>
             </a:r>
             <a:r>
+              <a:rPr lang="es-ES" sz="2800" dirty="0"/>
+              <a:t>, </a:t>
+            </a:r>
+            <a:r>
+              <a:rPr lang="es-ES" sz="2800" dirty="0" err="1"/>
+              <a:t>intB</a:t>
+            </a:r>
+            <a:r>
+              <a:rPr lang="es-ES" sz="2800" dirty="0"/>
+              <a:t>, </a:t>
+            </a:r>
+            <a:r>
+              <a:rPr lang="es-ES" sz="2800" dirty="0" err="1"/>
+              <a:t>intC</a:t>
+            </a:r>
+            <a:r>
+              <a:rPr lang="es-ES" sz="2800" dirty="0"/>
+              <a:t>) en la subrutina B4XPage_Created.</a:t>
+            </a:r>
+            <a:endParaRPr lang="en-US" sz="2800" dirty="0"/>
+          </a:p>
+          <a:p>
+            <a:pPr algn="r"/>
+            <a:r>
               <a:rPr lang="en-US" sz="2800" dirty="0"/>
-              <a:t>, </a:t>
-            </a:r>
-            <a:r>
-              <a:rPr lang="en-US" sz="2800" dirty="0" err="1"/>
-              <a:t>intB</a:t>
+              <a:t>2. </a:t>
+            </a:r>
+            <a:r>
+              <a:rPr lang="es-ES" sz="2800" dirty="0"/>
+              <a:t>Asignamos valores a las tres variables</a:t>
             </a:r>
             <a:r>
               <a:rPr lang="en-US" sz="2800" dirty="0"/>
-              <a:t>, </a:t>
-            </a:r>
-            <a:r>
-              <a:rPr lang="en-US" sz="2800" dirty="0" err="1"/>
-              <a:t>intC</a:t>
-            </a:r>
+              <a:t>.</a:t>
+            </a:r>
+          </a:p>
+          <a:p>
+            <a:pPr algn="r"/>
             <a:r>
               <a:rPr lang="en-US" sz="2800" dirty="0"/>
-              <a:t>) are declared within subprogram B4XPage_Created.</a:t>
+              <a:t>3. </a:t>
+            </a:r>
+            <a:r>
+              <a:rPr lang="es-ES" sz="2800" dirty="0"/>
+              <a:t>Invocamos a la subrutina </a:t>
+            </a:r>
+            <a:r>
+              <a:rPr lang="es-ES" sz="2800" dirty="0" err="1"/>
+              <a:t>CalcularMax</a:t>
+            </a:r>
+            <a:r>
+              <a:rPr lang="es-ES" sz="2800" dirty="0"/>
+              <a:t> con las 3 variables como parámetros</a:t>
+            </a:r>
+            <a:r>
+              <a:rPr lang="en-US" sz="2800" dirty="0"/>
+              <a:t>.</a:t>
             </a:r>
           </a:p>
           <a:p>
             <a:pPr algn="r"/>
             <a:r>
               <a:rPr lang="en-US" sz="2800" dirty="0"/>
-              <a:t>2. Values are assigned to the three variables.</a:t>
+              <a:t>4. </a:t>
+            </a:r>
+            <a:r>
+              <a:rPr lang="es-ES" sz="2800" dirty="0"/>
+              <a:t>La subrutina aplica el algoritmo Máximo a las variables a, b, c y devuelve el resultado </a:t>
+            </a:r>
+            <a:r>
+              <a:rPr lang="es-ES" sz="2800" dirty="0" err="1"/>
+              <a:t>intM</a:t>
+            </a:r>
+            <a:r>
+              <a:rPr lang="es-ES" sz="2800" dirty="0"/>
+              <a:t> calculado</a:t>
+            </a:r>
+            <a:r>
+              <a:rPr lang="en-US" sz="2800" dirty="0"/>
+              <a:t>.</a:t>
             </a:r>
           </a:p>
           <a:p>
             <a:pPr algn="r"/>
             <a:r>
               <a:rPr lang="en-US" sz="2800" dirty="0"/>
-              <a:t>3. The </a:t>
-            </a:r>
-            <a:r>
-              <a:rPr lang="en-US" sz="2800" dirty="0" err="1"/>
-              <a:t>sMax</a:t>
+              <a:t>5. </a:t>
+            </a:r>
+            <a:r>
+              <a:rPr lang="es-ES" sz="2800" dirty="0"/>
+              <a:t>El valor mayor es mostrado en la ventana de Log</a:t>
             </a:r>
             <a:r>
               <a:rPr lang="en-US" sz="2800" dirty="0"/>
-              <a:t> subprogram is called with parameters the three variables.</a:t>
-            </a:r>
-          </a:p>
-          <a:p>
-            <a:pPr algn="r"/>
-            <a:r>
-              <a:rPr lang="en-US" sz="2800" dirty="0"/>
-              <a:t>4. The subprogram applies the MAX algorithm for the three variables a, b, c and returns the </a:t>
-            </a:r>
-            <a:r>
-              <a:rPr lang="en-US" sz="2800" dirty="0" err="1"/>
-              <a:t>intM</a:t>
-            </a:r>
-            <a:r>
-              <a:rPr lang="en-US" sz="2800" dirty="0"/>
-              <a:t> value calculated.</a:t>
-            </a:r>
-          </a:p>
-          <a:p>
-            <a:pPr algn="r"/>
-            <a:r>
-              <a:rPr lang="en-US" sz="2800" dirty="0"/>
-              <a:t>5. Finally, the highest value appears on the Log screen.</a:t>
+              <a:t>.</a:t>
             </a:r>
           </a:p>
         </p:txBody>
@@ -12644,8 +13556,8 @@
         </p:nvSpPr>
         <p:spPr>
           <a:xfrm>
-            <a:off x="356132" y="707178"/>
-            <a:ext cx="6266581" cy="954107"/>
+            <a:off x="356132" y="892374"/>
+            <a:ext cx="9192982" cy="523220"/>
           </a:xfrm>
           <a:prstGeom prst="rect">
             <a:avLst/>
@@ -12659,9 +13571,453 @@
           <a:lstStyle/>
           <a:p>
             <a:r>
-              <a:rPr lang="en-US" sz="2800" dirty="0"/>
-              <a:t>Write a subprogram that accepts 3 integer variables and returns the largest</a:t>
-            </a:r>
+              <a:rPr lang="es-ES" sz="2800" dirty="0"/>
+              <a:t>Escribe un programa que lea 3 enteros y devuelva el mayor. </a:t>
+            </a:r>
+            <a:endParaRPr lang="en-US" sz="2800" dirty="0"/>
+          </a:p>
+        </p:txBody>
+      </p:sp>
+      <p:pic>
+        <p:nvPicPr>
+          <p:cNvPr id="13" name="Εικόνα 364">
+            <a:extLst>
+              <a:ext uri="{FF2B5EF4-FFF2-40B4-BE49-F238E27FC236}">
+                <a16:creationId xmlns:a16="http://schemas.microsoft.com/office/drawing/2014/main" id="{3436D7B2-CD68-4ECE-836F-4151C3985DC5}"/>
+              </a:ext>
+            </a:extLst>
+          </p:cNvPr>
+          <p:cNvPicPr/>
+          <p:nvPr/>
+        </p:nvPicPr>
+        <p:blipFill>
+          <a:blip r:embed="rId3">
+            <a:extLst>
+              <a:ext uri="{28A0092B-C50C-407E-A947-70E740481C1C}">
+                <a14:useLocalDpi xmlns:a14="http://schemas.microsoft.com/office/drawing/2010/main" val="0"/>
+              </a:ext>
+            </a:extLst>
+          </a:blip>
+          <a:srcRect/>
+          <a:stretch/>
+        </p:blipFill>
+        <p:spPr>
+          <a:xfrm>
+            <a:off x="496751" y="1577947"/>
+            <a:ext cx="4306743" cy="4600605"/>
+          </a:xfrm>
+          <a:prstGeom prst="rect">
+            <a:avLst/>
+          </a:prstGeom>
+          <a:ln w="3175">
+            <a:solidFill>
+              <a:schemeClr val="tx1"/>
+            </a:solidFill>
+          </a:ln>
+        </p:spPr>
+      </p:pic>
+      <p:sp>
+        <p:nvSpPr>
+          <p:cNvPr id="14" name="Elipse 13">
+            <a:extLst>
+              <a:ext uri="{FF2B5EF4-FFF2-40B4-BE49-F238E27FC236}">
+                <a16:creationId xmlns:a16="http://schemas.microsoft.com/office/drawing/2014/main" id="{9A244CE4-9B98-4C22-8152-86A3311D515A}"/>
+              </a:ext>
+            </a:extLst>
+          </p:cNvPr>
+          <p:cNvSpPr/>
+          <p:nvPr/>
+        </p:nvSpPr>
+        <p:spPr>
+          <a:xfrm>
+            <a:off x="3223091" y="3030160"/>
+            <a:ext cx="485586" cy="444650"/>
+          </a:xfrm>
+          <a:prstGeom prst="ellipse">
+            <a:avLst/>
+          </a:prstGeom>
+          <a:noFill/>
+          <a:ln w="28575">
+            <a:solidFill>
+              <a:srgbClr val="FF0000"/>
+            </a:solidFill>
+          </a:ln>
+        </p:spPr>
+        <p:style>
+          <a:lnRef idx="2">
+            <a:schemeClr val="accent1">
+              <a:shade val="50000"/>
+            </a:schemeClr>
+          </a:lnRef>
+          <a:fillRef idx="1">
+            <a:schemeClr val="accent1"/>
+          </a:fillRef>
+          <a:effectRef idx="0">
+            <a:schemeClr val="accent1"/>
+          </a:effectRef>
+          <a:fontRef idx="minor">
+            <a:schemeClr val="lt1"/>
+          </a:fontRef>
+        </p:style>
+        <p:txBody>
+          <a:bodyPr rot="0" spcFirstLastPara="0" vert="horz" wrap="square" lIns="0" tIns="0" rIns="0" bIns="0" numCol="1" spcCol="0" rtlCol="0" fromWordArt="0" anchor="ctr" anchorCtr="0" forceAA="0" compatLnSpc="1">
+            <a:prstTxWarp prst="textNoShape">
+              <a:avLst/>
+            </a:prstTxWarp>
+            <a:noAutofit/>
+          </a:bodyPr>
+          <a:lstStyle/>
+          <a:p>
+            <a:pPr algn="ctr">
+              <a:lnSpc>
+                <a:spcPct val="107000"/>
+              </a:lnSpc>
+              <a:spcAft>
+                <a:spcPts val="800"/>
+              </a:spcAft>
+            </a:pPr>
+            <a:r>
+              <a:rPr lang="es-ES" sz="1600" dirty="0">
+                <a:solidFill>
+                  <a:srgbClr val="FF0000"/>
+                </a:solidFill>
+                <a:effectLst/>
+                <a:latin typeface="Verdana" panose="020B0604030504040204" pitchFamily="34" charset="0"/>
+                <a:ea typeface="Calibri" panose="020F0502020204030204" pitchFamily="34" charset="0"/>
+                <a:cs typeface="Times New Roman" panose="02020603050405020304" pitchFamily="18" charset="0"/>
+              </a:rPr>
+              <a:t>1</a:t>
+            </a:r>
+            <a:endParaRPr lang="es-ES" sz="2800" dirty="0">
+              <a:effectLst/>
+              <a:latin typeface="Verdana" panose="020B0604030504040204" pitchFamily="34" charset="0"/>
+              <a:ea typeface="Calibri" panose="020F0502020204030204" pitchFamily="34" charset="0"/>
+              <a:cs typeface="Times New Roman" panose="02020603050405020304" pitchFamily="18" charset="0"/>
+            </a:endParaRPr>
+          </a:p>
+        </p:txBody>
+      </p:sp>
+      <p:sp>
+        <p:nvSpPr>
+          <p:cNvPr id="15" name="Elipse 14">
+            <a:extLst>
+              <a:ext uri="{FF2B5EF4-FFF2-40B4-BE49-F238E27FC236}">
+                <a16:creationId xmlns:a16="http://schemas.microsoft.com/office/drawing/2014/main" id="{7A30D657-12B7-45C4-A993-496D45CEC85E}"/>
+              </a:ext>
+            </a:extLst>
+          </p:cNvPr>
+          <p:cNvSpPr/>
+          <p:nvPr/>
+        </p:nvSpPr>
+        <p:spPr>
+          <a:xfrm>
+            <a:off x="593440" y="3349544"/>
+            <a:ext cx="485586" cy="444650"/>
+          </a:xfrm>
+          <a:prstGeom prst="ellipse">
+            <a:avLst/>
+          </a:prstGeom>
+          <a:noFill/>
+          <a:ln w="28575">
+            <a:solidFill>
+              <a:srgbClr val="FF0000"/>
+            </a:solidFill>
+          </a:ln>
+        </p:spPr>
+        <p:style>
+          <a:lnRef idx="2">
+            <a:schemeClr val="accent1">
+              <a:shade val="50000"/>
+            </a:schemeClr>
+          </a:lnRef>
+          <a:fillRef idx="1">
+            <a:schemeClr val="accent1"/>
+          </a:fillRef>
+          <a:effectRef idx="0">
+            <a:schemeClr val="accent1"/>
+          </a:effectRef>
+          <a:fontRef idx="minor">
+            <a:schemeClr val="lt1"/>
+          </a:fontRef>
+        </p:style>
+        <p:txBody>
+          <a:bodyPr rot="0" spcFirstLastPara="0" vert="horz" wrap="square" lIns="0" tIns="0" rIns="0" bIns="0" numCol="1" spcCol="0" rtlCol="0" fromWordArt="0" anchor="ctr" anchorCtr="0" forceAA="0" compatLnSpc="1">
+            <a:prstTxWarp prst="textNoShape">
+              <a:avLst/>
+            </a:prstTxWarp>
+            <a:noAutofit/>
+          </a:bodyPr>
+          <a:lstStyle/>
+          <a:p>
+            <a:pPr algn="ctr">
+              <a:lnSpc>
+                <a:spcPct val="107000"/>
+              </a:lnSpc>
+              <a:spcAft>
+                <a:spcPts val="800"/>
+              </a:spcAft>
+            </a:pPr>
+            <a:r>
+              <a:rPr lang="es-ES" sz="1600" dirty="0">
+                <a:solidFill>
+                  <a:srgbClr val="FF0000"/>
+                </a:solidFill>
+                <a:effectLst/>
+                <a:latin typeface="Verdana" panose="020B0604030504040204" pitchFamily="34" charset="0"/>
+                <a:ea typeface="Calibri" panose="020F0502020204030204" pitchFamily="34" charset="0"/>
+                <a:cs typeface="Times New Roman" panose="02020603050405020304" pitchFamily="18" charset="0"/>
+              </a:rPr>
+              <a:t>2</a:t>
+            </a:r>
+            <a:endParaRPr lang="es-ES" sz="1100" dirty="0">
+              <a:effectLst/>
+              <a:latin typeface="Verdana" panose="020B0604030504040204" pitchFamily="34" charset="0"/>
+              <a:ea typeface="Calibri" panose="020F0502020204030204" pitchFamily="34" charset="0"/>
+              <a:cs typeface="Times New Roman" panose="02020603050405020304" pitchFamily="18" charset="0"/>
+            </a:endParaRPr>
+          </a:p>
+        </p:txBody>
+      </p:sp>
+      <p:sp>
+        <p:nvSpPr>
+          <p:cNvPr id="16" name="Elipse 15">
+            <a:extLst>
+              <a:ext uri="{FF2B5EF4-FFF2-40B4-BE49-F238E27FC236}">
+                <a16:creationId xmlns:a16="http://schemas.microsoft.com/office/drawing/2014/main" id="{CECCEE70-49B8-4B4E-AEC3-12791231CEC2}"/>
+              </a:ext>
+            </a:extLst>
+          </p:cNvPr>
+          <p:cNvSpPr/>
+          <p:nvPr/>
+        </p:nvSpPr>
+        <p:spPr>
+          <a:xfrm>
+            <a:off x="2023371" y="3488142"/>
+            <a:ext cx="485586" cy="444650"/>
+          </a:xfrm>
+          <a:prstGeom prst="ellipse">
+            <a:avLst/>
+          </a:prstGeom>
+          <a:noFill/>
+          <a:ln w="28575">
+            <a:solidFill>
+              <a:srgbClr val="FF0000"/>
+            </a:solidFill>
+          </a:ln>
+        </p:spPr>
+        <p:style>
+          <a:lnRef idx="2">
+            <a:schemeClr val="accent1">
+              <a:shade val="50000"/>
+            </a:schemeClr>
+          </a:lnRef>
+          <a:fillRef idx="1">
+            <a:schemeClr val="accent1"/>
+          </a:fillRef>
+          <a:effectRef idx="0">
+            <a:schemeClr val="accent1"/>
+          </a:effectRef>
+          <a:fontRef idx="minor">
+            <a:schemeClr val="lt1"/>
+          </a:fontRef>
+        </p:style>
+        <p:txBody>
+          <a:bodyPr rot="0" spcFirstLastPara="0" vert="horz" wrap="square" lIns="0" tIns="0" rIns="0" bIns="0" numCol="1" spcCol="0" rtlCol="0" fromWordArt="0" anchor="ctr" anchorCtr="0" forceAA="0" compatLnSpc="1">
+            <a:prstTxWarp prst="textNoShape">
+              <a:avLst/>
+            </a:prstTxWarp>
+            <a:noAutofit/>
+          </a:bodyPr>
+          <a:lstStyle/>
+          <a:p>
+            <a:pPr algn="ctr">
+              <a:lnSpc>
+                <a:spcPct val="107000"/>
+              </a:lnSpc>
+              <a:spcAft>
+                <a:spcPts val="800"/>
+              </a:spcAft>
+            </a:pPr>
+            <a:r>
+              <a:rPr lang="es-ES" sz="1600" dirty="0">
+                <a:solidFill>
+                  <a:srgbClr val="FF0000"/>
+                </a:solidFill>
+                <a:effectLst/>
+                <a:latin typeface="Verdana" panose="020B0604030504040204" pitchFamily="34" charset="0"/>
+                <a:ea typeface="Calibri" panose="020F0502020204030204" pitchFamily="34" charset="0"/>
+                <a:cs typeface="Times New Roman" panose="02020603050405020304" pitchFamily="18" charset="0"/>
+              </a:rPr>
+              <a:t>3</a:t>
+            </a:r>
+            <a:endParaRPr lang="es-ES" sz="1600" dirty="0">
+              <a:effectLst/>
+              <a:latin typeface="Verdana" panose="020B0604030504040204" pitchFamily="34" charset="0"/>
+              <a:ea typeface="Calibri" panose="020F0502020204030204" pitchFamily="34" charset="0"/>
+              <a:cs typeface="Times New Roman" panose="02020603050405020304" pitchFamily="18" charset="0"/>
+            </a:endParaRPr>
+          </a:p>
+        </p:txBody>
+      </p:sp>
+      <p:sp>
+        <p:nvSpPr>
+          <p:cNvPr id="17" name="Elipse 16">
+            <a:extLst>
+              <a:ext uri="{FF2B5EF4-FFF2-40B4-BE49-F238E27FC236}">
+                <a16:creationId xmlns:a16="http://schemas.microsoft.com/office/drawing/2014/main" id="{2431D16E-B180-42F7-9387-DFBCF250B07E}"/>
+              </a:ext>
+            </a:extLst>
+          </p:cNvPr>
+          <p:cNvSpPr/>
+          <p:nvPr/>
+        </p:nvSpPr>
+        <p:spPr>
+          <a:xfrm>
+            <a:off x="2164536" y="5217776"/>
+            <a:ext cx="485586" cy="444650"/>
+          </a:xfrm>
+          <a:prstGeom prst="ellipse">
+            <a:avLst/>
+          </a:prstGeom>
+          <a:noFill/>
+          <a:ln w="28575">
+            <a:solidFill>
+              <a:srgbClr val="FF0000"/>
+            </a:solidFill>
+          </a:ln>
+        </p:spPr>
+        <p:style>
+          <a:lnRef idx="2">
+            <a:schemeClr val="accent1">
+              <a:shade val="50000"/>
+            </a:schemeClr>
+          </a:lnRef>
+          <a:fillRef idx="1">
+            <a:schemeClr val="accent1"/>
+          </a:fillRef>
+          <a:effectRef idx="0">
+            <a:schemeClr val="accent1"/>
+          </a:effectRef>
+          <a:fontRef idx="minor">
+            <a:schemeClr val="lt1"/>
+          </a:fontRef>
+        </p:style>
+        <p:txBody>
+          <a:bodyPr rot="0" spcFirstLastPara="0" vert="horz" wrap="square" lIns="0" tIns="0" rIns="0" bIns="0" numCol="1" spcCol="0" rtlCol="0" fromWordArt="0" anchor="ctr" anchorCtr="0" forceAA="0" compatLnSpc="1">
+            <a:prstTxWarp prst="textNoShape">
+              <a:avLst/>
+            </a:prstTxWarp>
+            <a:noAutofit/>
+          </a:bodyPr>
+          <a:lstStyle/>
+          <a:p>
+            <a:pPr algn="ctr">
+              <a:lnSpc>
+                <a:spcPct val="107000"/>
+              </a:lnSpc>
+              <a:spcAft>
+                <a:spcPts val="800"/>
+              </a:spcAft>
+            </a:pPr>
+            <a:r>
+              <a:rPr lang="es-ES" sz="1600" dirty="0">
+                <a:solidFill>
+                  <a:srgbClr val="FF0000"/>
+                </a:solidFill>
+                <a:effectLst/>
+                <a:latin typeface="Verdana" panose="020B0604030504040204" pitchFamily="34" charset="0"/>
+                <a:ea typeface="Calibri" panose="020F0502020204030204" pitchFamily="34" charset="0"/>
+                <a:cs typeface="Times New Roman" panose="02020603050405020304" pitchFamily="18" charset="0"/>
+              </a:rPr>
+              <a:t>4</a:t>
+            </a:r>
+            <a:endParaRPr lang="es-ES" sz="2800" dirty="0">
+              <a:effectLst/>
+              <a:latin typeface="Verdana" panose="020B0604030504040204" pitchFamily="34" charset="0"/>
+              <a:ea typeface="Calibri" panose="020F0502020204030204" pitchFamily="34" charset="0"/>
+              <a:cs typeface="Times New Roman" panose="02020603050405020304" pitchFamily="18" charset="0"/>
+            </a:endParaRPr>
+          </a:p>
+        </p:txBody>
+      </p:sp>
+      <p:sp>
+        <p:nvSpPr>
+          <p:cNvPr id="18" name="Elipse 17">
+            <a:extLst>
+              <a:ext uri="{FF2B5EF4-FFF2-40B4-BE49-F238E27FC236}">
+                <a16:creationId xmlns:a16="http://schemas.microsoft.com/office/drawing/2014/main" id="{69E6342D-3F31-4DE8-9FC7-A3C5093A950E}"/>
+              </a:ext>
+            </a:extLst>
+          </p:cNvPr>
+          <p:cNvSpPr/>
+          <p:nvPr/>
+        </p:nvSpPr>
+        <p:spPr>
+          <a:xfrm>
+            <a:off x="1341016" y="3989876"/>
+            <a:ext cx="485586" cy="444650"/>
+          </a:xfrm>
+          <a:prstGeom prst="ellipse">
+            <a:avLst/>
+          </a:prstGeom>
+          <a:noFill/>
+          <a:ln w="28575">
+            <a:solidFill>
+              <a:srgbClr val="FF0000"/>
+            </a:solidFill>
+          </a:ln>
+        </p:spPr>
+        <p:style>
+          <a:lnRef idx="2">
+            <a:schemeClr val="accent1">
+              <a:shade val="50000"/>
+            </a:schemeClr>
+          </a:lnRef>
+          <a:fillRef idx="1">
+            <a:schemeClr val="accent1"/>
+          </a:fillRef>
+          <a:effectRef idx="0">
+            <a:schemeClr val="accent1"/>
+          </a:effectRef>
+          <a:fontRef idx="minor">
+            <a:schemeClr val="lt1"/>
+          </a:fontRef>
+        </p:style>
+        <p:txBody>
+          <a:bodyPr rot="0" spcFirstLastPara="0" vert="horz" wrap="square" lIns="0" tIns="0" rIns="0" bIns="0" numCol="1" spcCol="0" rtlCol="0" fromWordArt="0" anchor="ctr" anchorCtr="0" forceAA="0" compatLnSpc="1">
+            <a:prstTxWarp prst="textNoShape">
+              <a:avLst/>
+            </a:prstTxWarp>
+            <a:noAutofit/>
+          </a:bodyPr>
+          <a:lstStyle/>
+          <a:p>
+            <a:pPr algn="ctr">
+              <a:lnSpc>
+                <a:spcPct val="107000"/>
+              </a:lnSpc>
+              <a:spcAft>
+                <a:spcPts val="800"/>
+              </a:spcAft>
+            </a:pPr>
+            <a:r>
+              <a:rPr lang="es-ES" sz="1600" dirty="0">
+                <a:solidFill>
+                  <a:srgbClr val="FF0000"/>
+                </a:solidFill>
+                <a:effectLst/>
+                <a:latin typeface="Verdana" panose="020B0604030504040204" pitchFamily="34" charset="0"/>
+                <a:ea typeface="Calibri" panose="020F0502020204030204" pitchFamily="34" charset="0"/>
+                <a:cs typeface="Times New Roman" panose="02020603050405020304" pitchFamily="18" charset="0"/>
+              </a:rPr>
+              <a:t>5</a:t>
+            </a:r>
+            <a:endParaRPr lang="es-ES" sz="2800" dirty="0">
+              <a:effectLst/>
+              <a:latin typeface="Verdana" panose="020B0604030504040204" pitchFamily="34" charset="0"/>
+              <a:ea typeface="Calibri" panose="020F0502020204030204" pitchFamily="34" charset="0"/>
+              <a:cs typeface="Times New Roman" panose="02020603050405020304" pitchFamily="18" charset="0"/>
+            </a:endParaRPr>
           </a:p>
         </p:txBody>
       </p:sp>
